--- a/pygame.pptx
+++ b/pygame.pptx
@@ -243,7 +243,7 @@
           <a:p>
             <a:fld id="{7DDCB493-D710-45D2-9346-43FA93EFD35C}" type="datetimeFigureOut">
               <a:rPr lang="ko-KR" altLang="en-US" smtClean="0"/>
-              <a:t>2023-10-16</a:t>
+              <a:t>2023-10-17</a:t>
             </a:fld>
             <a:endParaRPr lang="ko-KR" altLang="en-US"/>
           </a:p>
@@ -639,7 +639,7 @@
           <a:p>
             <a:fld id="{8E0F3B63-B1CB-4D30-AC7C-300C5C3E278C}" type="datetimeFigureOut">
               <a:rPr lang="ko-KR" altLang="en-US" smtClean="0"/>
-              <a:t>2023-10-16</a:t>
+              <a:t>2023-10-17</a:t>
             </a:fld>
             <a:endParaRPr lang="ko-KR" altLang="en-US"/>
           </a:p>
@@ -807,7 +807,7 @@
           <a:p>
             <a:fld id="{8E0F3B63-B1CB-4D30-AC7C-300C5C3E278C}" type="datetimeFigureOut">
               <a:rPr lang="ko-KR" altLang="en-US" smtClean="0"/>
-              <a:t>2023-10-16</a:t>
+              <a:t>2023-10-17</a:t>
             </a:fld>
             <a:endParaRPr lang="ko-KR" altLang="en-US"/>
           </a:p>
@@ -985,7 +985,7 @@
           <a:p>
             <a:fld id="{8E0F3B63-B1CB-4D30-AC7C-300C5C3E278C}" type="datetimeFigureOut">
               <a:rPr lang="ko-KR" altLang="en-US" smtClean="0"/>
-              <a:t>2023-10-16</a:t>
+              <a:t>2023-10-17</a:t>
             </a:fld>
             <a:endParaRPr lang="ko-KR" altLang="en-US"/>
           </a:p>
@@ -1153,7 +1153,7 @@
           <a:p>
             <a:fld id="{8E0F3B63-B1CB-4D30-AC7C-300C5C3E278C}" type="datetimeFigureOut">
               <a:rPr lang="ko-KR" altLang="en-US" smtClean="0"/>
-              <a:t>2023-10-16</a:t>
+              <a:t>2023-10-17</a:t>
             </a:fld>
             <a:endParaRPr lang="ko-KR" altLang="en-US"/>
           </a:p>
@@ -1398,7 +1398,7 @@
           <a:p>
             <a:fld id="{8E0F3B63-B1CB-4D30-AC7C-300C5C3E278C}" type="datetimeFigureOut">
               <a:rPr lang="ko-KR" altLang="en-US" smtClean="0"/>
-              <a:t>2023-10-16</a:t>
+              <a:t>2023-10-17</a:t>
             </a:fld>
             <a:endParaRPr lang="ko-KR" altLang="en-US"/>
           </a:p>
@@ -1627,7 +1627,7 @@
           <a:p>
             <a:fld id="{8E0F3B63-B1CB-4D30-AC7C-300C5C3E278C}" type="datetimeFigureOut">
               <a:rPr lang="ko-KR" altLang="en-US" smtClean="0"/>
-              <a:t>2023-10-16</a:t>
+              <a:t>2023-10-17</a:t>
             </a:fld>
             <a:endParaRPr lang="ko-KR" altLang="en-US"/>
           </a:p>
@@ -1991,7 +1991,7 @@
           <a:p>
             <a:fld id="{8E0F3B63-B1CB-4D30-AC7C-300C5C3E278C}" type="datetimeFigureOut">
               <a:rPr lang="ko-KR" altLang="en-US" smtClean="0"/>
-              <a:t>2023-10-16</a:t>
+              <a:t>2023-10-17</a:t>
             </a:fld>
             <a:endParaRPr lang="ko-KR" altLang="en-US"/>
           </a:p>
@@ -2108,7 +2108,7 @@
           <a:p>
             <a:fld id="{8E0F3B63-B1CB-4D30-AC7C-300C5C3E278C}" type="datetimeFigureOut">
               <a:rPr lang="ko-KR" altLang="en-US" smtClean="0"/>
-              <a:t>2023-10-16</a:t>
+              <a:t>2023-10-17</a:t>
             </a:fld>
             <a:endParaRPr lang="ko-KR" altLang="en-US"/>
           </a:p>
@@ -2203,7 +2203,7 @@
           <a:p>
             <a:fld id="{8E0F3B63-B1CB-4D30-AC7C-300C5C3E278C}" type="datetimeFigureOut">
               <a:rPr lang="ko-KR" altLang="en-US" smtClean="0"/>
-              <a:t>2023-10-16</a:t>
+              <a:t>2023-10-17</a:t>
             </a:fld>
             <a:endParaRPr lang="ko-KR" altLang="en-US"/>
           </a:p>
@@ -2478,7 +2478,7 @@
           <a:p>
             <a:fld id="{8E0F3B63-B1CB-4D30-AC7C-300C5C3E278C}" type="datetimeFigureOut">
               <a:rPr lang="ko-KR" altLang="en-US" smtClean="0"/>
-              <a:t>2023-10-16</a:t>
+              <a:t>2023-10-17</a:t>
             </a:fld>
             <a:endParaRPr lang="ko-KR" altLang="en-US"/>
           </a:p>
@@ -2730,7 +2730,7 @@
           <a:p>
             <a:fld id="{8E0F3B63-B1CB-4D30-AC7C-300C5C3E278C}" type="datetimeFigureOut">
               <a:rPr lang="ko-KR" altLang="en-US" smtClean="0"/>
-              <a:t>2023-10-16</a:t>
+              <a:t>2023-10-17</a:t>
             </a:fld>
             <a:endParaRPr lang="ko-KR" altLang="en-US"/>
           </a:p>
@@ -2941,7 +2941,7 @@
           <a:p>
             <a:fld id="{8E0F3B63-B1CB-4D30-AC7C-300C5C3E278C}" type="datetimeFigureOut">
               <a:rPr lang="ko-KR" altLang="en-US" smtClean="0"/>
-              <a:t>2023-10-16</a:t>
+              <a:t>2023-10-17</a:t>
             </a:fld>
             <a:endParaRPr lang="ko-KR" altLang="en-US"/>
           </a:p>
@@ -9963,6 +9963,13 @@
   <p:clrMapOvr>
     <a:masterClrMapping/>
   </p:clrMapOvr>
+  <p:timing>
+    <p:tnLst>
+      <p:par>
+        <p:cTn id="1" dur="indefinite" restart="never" nodeType="tmRoot"/>
+      </p:par>
+    </p:tnLst>
+  </p:timing>
 </p:sld>
 </file>
 
@@ -10140,6 +10147,13 @@
   <p:clrMapOvr>
     <a:masterClrMapping/>
   </p:clrMapOvr>
+  <p:timing>
+    <p:tnLst>
+      <p:par>
+        <p:cTn id="1" dur="indefinite" restart="never" nodeType="tmRoot"/>
+      </p:par>
+    </p:tnLst>
+  </p:timing>
 </p:sld>
 </file>
 
@@ -10633,6 +10647,13 @@
   <p:clrMapOvr>
     <a:masterClrMapping/>
   </p:clrMapOvr>
+  <p:timing>
+    <p:tnLst>
+      <p:par>
+        <p:cTn id="1" dur="indefinite" restart="never" nodeType="tmRoot"/>
+      </p:par>
+    </p:tnLst>
+  </p:timing>
 </p:sld>
 </file>
 
@@ -10810,6 +10831,13 @@
   <p:clrMapOvr>
     <a:masterClrMapping/>
   </p:clrMapOvr>
+  <p:timing>
+    <p:tnLst>
+      <p:par>
+        <p:cTn id="1" dur="indefinite" restart="never" nodeType="tmRoot"/>
+      </p:par>
+    </p:tnLst>
+  </p:timing>
 </p:sld>
 </file>
 
@@ -11030,35 +11058,40 @@
           <a:bodyPr/>
           <a:lstStyle/>
           <a:p>
-            <a:endParaRPr lang="ko-KR" altLang="en-US"/>
-          </a:p>
-        </p:txBody>
-      </p:sp>
-      <p:sp>
-        <p:nvSpPr>
-          <p:cNvPr id="3" name="내용 개체 틀 2">
-            <a:extLst>
-              <a:ext uri="{FF2B5EF4-FFF2-40B4-BE49-F238E27FC236}">
-                <a16:creationId xmlns:a16="http://schemas.microsoft.com/office/drawing/2014/main" id="{768CB50F-8DCC-48D6-B9AF-F1F3FC6D984D}"/>
-              </a:ext>
-            </a:extLst>
-          </p:cNvPr>
-          <p:cNvSpPr>
-            <a:spLocks noGrp="1"/>
-          </p:cNvSpPr>
+            <a:r>
+              <a:rPr lang="en-US" altLang="ko-KR" dirty="0" smtClean="0"/>
+              <a:t>3. Simple pong – (1)</a:t>
+            </a:r>
+            <a:endParaRPr lang="ko-KR" altLang="en-US" dirty="0"/>
+          </a:p>
+        </p:txBody>
+      </p:sp>
+      <p:pic>
+        <p:nvPicPr>
+          <p:cNvPr id="6" name="내용 개체 틀 5"/>
+          <p:cNvPicPr>
+            <a:picLocks noGrp="1" noChangeAspect="1"/>
+          </p:cNvPicPr>
           <p:nvPr>
             <p:ph idx="1"/>
           </p:nvPr>
-        </p:nvSpPr>
-        <p:spPr/>
-        <p:txBody>
-          <a:bodyPr/>
-          <a:lstStyle/>
-          <a:p>
-            <a:endParaRPr lang="ko-KR" altLang="en-US" dirty="0"/>
-          </a:p>
-        </p:txBody>
-      </p:sp>
+        </p:nvPicPr>
+        <p:blipFill>
+          <a:blip r:embed="rId2"/>
+          <a:stretch>
+            <a:fillRect/>
+          </a:stretch>
+        </p:blipFill>
+        <p:spPr>
+          <a:xfrm>
+            <a:off x="838200" y="1690687"/>
+            <a:ext cx="7609114" cy="5028861"/>
+          </a:xfrm>
+          <a:prstGeom prst="rect">
+            <a:avLst/>
+          </a:prstGeom>
+        </p:spPr>
+      </p:pic>
       <p:cxnSp>
         <p:nvCxnSpPr>
           <p:cNvPr id="4" name="직선 연결선 3">
@@ -11152,6 +11185,13 @@
   <p:clrMapOvr>
     <a:masterClrMapping/>
   </p:clrMapOvr>
+  <p:timing>
+    <p:tnLst>
+      <p:par>
+        <p:cTn id="1" dur="indefinite" restart="never" nodeType="tmRoot"/>
+      </p:par>
+    </p:tnLst>
+  </p:timing>
 </p:sld>
 </file>
 
@@ -11193,35 +11233,44 @@
           <a:bodyPr/>
           <a:lstStyle/>
           <a:p>
-            <a:endParaRPr lang="ko-KR" altLang="en-US"/>
-          </a:p>
-        </p:txBody>
-      </p:sp>
-      <p:sp>
-        <p:nvSpPr>
-          <p:cNvPr id="3" name="내용 개체 틀 2">
-            <a:extLst>
-              <a:ext uri="{FF2B5EF4-FFF2-40B4-BE49-F238E27FC236}">
-                <a16:creationId xmlns:a16="http://schemas.microsoft.com/office/drawing/2014/main" id="{768CB50F-8DCC-48D6-B9AF-F1F3FC6D984D}"/>
-              </a:ext>
-            </a:extLst>
-          </p:cNvPr>
-          <p:cNvSpPr>
-            <a:spLocks noGrp="1"/>
-          </p:cNvSpPr>
+            <a:r>
+              <a:rPr lang="en-US" altLang="ko-KR" dirty="0"/>
+              <a:t>3. Simple pong – </a:t>
+            </a:r>
+            <a:r>
+              <a:rPr lang="en-US" altLang="ko-KR" dirty="0" smtClean="0"/>
+              <a:t>(2)</a:t>
+            </a:r>
+            <a:endParaRPr lang="ko-KR" altLang="en-US" dirty="0"/>
+          </a:p>
+        </p:txBody>
+      </p:sp>
+      <p:pic>
+        <p:nvPicPr>
+          <p:cNvPr id="6" name="내용 개체 틀 5"/>
+          <p:cNvPicPr>
+            <a:picLocks noGrp="1" noChangeAspect="1"/>
+          </p:cNvPicPr>
           <p:nvPr>
             <p:ph idx="1"/>
           </p:nvPr>
-        </p:nvSpPr>
-        <p:spPr/>
-        <p:txBody>
-          <a:bodyPr/>
-          <a:lstStyle/>
-          <a:p>
-            <a:endParaRPr lang="ko-KR" altLang="en-US" dirty="0"/>
-          </a:p>
-        </p:txBody>
-      </p:sp>
+        </p:nvPicPr>
+        <p:blipFill>
+          <a:blip r:embed="rId2"/>
+          <a:stretch>
+            <a:fillRect/>
+          </a:stretch>
+        </p:blipFill>
+        <p:spPr>
+          <a:xfrm>
+            <a:off x="1127343" y="1839345"/>
+            <a:ext cx="9905398" cy="2224655"/>
+          </a:xfrm>
+          <a:prstGeom prst="rect">
+            <a:avLst/>
+          </a:prstGeom>
+        </p:spPr>
+      </p:pic>
       <p:cxnSp>
         <p:nvCxnSpPr>
           <p:cNvPr id="4" name="직선 연결선 3">
@@ -11356,35 +11405,44 @@
           <a:bodyPr/>
           <a:lstStyle/>
           <a:p>
-            <a:endParaRPr lang="ko-KR" altLang="en-US"/>
-          </a:p>
-        </p:txBody>
-      </p:sp>
-      <p:sp>
-        <p:nvSpPr>
-          <p:cNvPr id="3" name="내용 개체 틀 2">
-            <a:extLst>
-              <a:ext uri="{FF2B5EF4-FFF2-40B4-BE49-F238E27FC236}">
-                <a16:creationId xmlns:a16="http://schemas.microsoft.com/office/drawing/2014/main" id="{768CB50F-8DCC-48D6-B9AF-F1F3FC6D984D}"/>
-              </a:ext>
-            </a:extLst>
-          </p:cNvPr>
-          <p:cNvSpPr>
-            <a:spLocks noGrp="1"/>
-          </p:cNvSpPr>
+            <a:r>
+              <a:rPr lang="en-US" altLang="ko-KR" dirty="0"/>
+              <a:t>3. Simple pong – </a:t>
+            </a:r>
+            <a:r>
+              <a:rPr lang="en-US" altLang="ko-KR" dirty="0" smtClean="0"/>
+              <a:t>(3)</a:t>
+            </a:r>
+            <a:endParaRPr lang="ko-KR" altLang="en-US" dirty="0"/>
+          </a:p>
+        </p:txBody>
+      </p:sp>
+      <p:pic>
+        <p:nvPicPr>
+          <p:cNvPr id="6" name="내용 개체 틀 5"/>
+          <p:cNvPicPr>
+            <a:picLocks noGrp="1" noChangeAspect="1"/>
+          </p:cNvPicPr>
           <p:nvPr>
             <p:ph idx="1"/>
           </p:nvPr>
-        </p:nvSpPr>
-        <p:spPr/>
-        <p:txBody>
-          <a:bodyPr/>
-          <a:lstStyle/>
-          <a:p>
-            <a:endParaRPr lang="ko-KR" altLang="en-US" dirty="0"/>
-          </a:p>
-        </p:txBody>
-      </p:sp>
+        </p:nvPicPr>
+        <p:blipFill>
+          <a:blip r:embed="rId2"/>
+          <a:stretch>
+            <a:fillRect/>
+          </a:stretch>
+        </p:blipFill>
+        <p:spPr>
+          <a:xfrm>
+            <a:off x="838200" y="1684806"/>
+            <a:ext cx="7711857" cy="4859989"/>
+          </a:xfrm>
+          <a:prstGeom prst="rect">
+            <a:avLst/>
+          </a:prstGeom>
+        </p:spPr>
+      </p:pic>
       <p:cxnSp>
         <p:nvCxnSpPr>
           <p:cNvPr id="4" name="직선 연결선 3">

--- a/pygame.pptx
+++ b/pygame.pptx
@@ -11066,9 +11066,92 @@
           </a:p>
         </p:txBody>
       </p:sp>
+      <p:cxnSp>
+        <p:nvCxnSpPr>
+          <p:cNvPr id="4" name="직선 연결선 3">
+            <a:extLst>
+              <a:ext uri="{FF2B5EF4-FFF2-40B4-BE49-F238E27FC236}">
+                <a16:creationId xmlns:a16="http://schemas.microsoft.com/office/drawing/2014/main" id="{CC5C6F10-69FE-4C86-8775-B4181A3168D4}"/>
+              </a:ext>
+            </a:extLst>
+          </p:cNvPr>
+          <p:cNvCxnSpPr>
+            <a:cxnSpLocks/>
+          </p:cNvCxnSpPr>
+          <p:nvPr/>
+        </p:nvCxnSpPr>
+        <p:spPr>
+          <a:xfrm>
+            <a:off x="125260" y="1528175"/>
+            <a:ext cx="11924778" cy="0"/>
+          </a:xfrm>
+          <a:prstGeom prst="line">
+            <a:avLst/>
+          </a:prstGeom>
+          <a:ln w="38100"/>
+        </p:spPr>
+        <p:style>
+          <a:lnRef idx="1">
+            <a:schemeClr val="accent1"/>
+          </a:lnRef>
+          <a:fillRef idx="0">
+            <a:schemeClr val="accent1"/>
+          </a:fillRef>
+          <a:effectRef idx="0">
+            <a:schemeClr val="accent1"/>
+          </a:effectRef>
+          <a:fontRef idx="minor">
+            <a:schemeClr val="tx1"/>
+          </a:fontRef>
+        </p:style>
+      </p:cxnSp>
+      <p:cxnSp>
+        <p:nvCxnSpPr>
+          <p:cNvPr id="5" name="직선 연결선 4">
+            <a:extLst>
+              <a:ext uri="{FF2B5EF4-FFF2-40B4-BE49-F238E27FC236}">
+                <a16:creationId xmlns:a16="http://schemas.microsoft.com/office/drawing/2014/main" id="{BED49535-3BDC-49AA-B42B-3F7F65684B22}"/>
+              </a:ext>
+            </a:extLst>
+          </p:cNvPr>
+          <p:cNvCxnSpPr/>
+          <p:nvPr/>
+        </p:nvCxnSpPr>
+        <p:spPr>
+          <a:xfrm>
+            <a:off x="626301" y="365125"/>
+            <a:ext cx="0" cy="6336300"/>
+          </a:xfrm>
+          <a:prstGeom prst="line">
+            <a:avLst/>
+          </a:prstGeom>
+          <a:ln w="57150">
+            <a:solidFill>
+              <a:schemeClr val="accent4">
+                <a:lumMod val="60000"/>
+                <a:lumOff val="40000"/>
+              </a:schemeClr>
+            </a:solidFill>
+          </a:ln>
+        </p:spPr>
+        <p:style>
+          <a:lnRef idx="1">
+            <a:schemeClr val="accent1"/>
+          </a:lnRef>
+          <a:fillRef idx="0">
+            <a:schemeClr val="accent1"/>
+          </a:fillRef>
+          <a:effectRef idx="0">
+            <a:schemeClr val="accent1"/>
+          </a:effectRef>
+          <a:fontRef idx="minor">
+            <a:schemeClr val="tx1"/>
+          </a:fontRef>
+        </p:style>
+      </p:cxnSp>
       <p:pic>
         <p:nvPicPr>
-          <p:cNvPr id="6" name="내용 개체 틀 5"/>
+          <p:cNvPr id="7" name="내용 개체 틀 6"/>
           <p:cNvPicPr>
             <a:picLocks noGrp="1" noChangeAspect="1"/>
           </p:cNvPicPr>
@@ -11084,97 +11167,28 @@
         </p:blipFill>
         <p:spPr>
           <a:xfrm>
-            <a:off x="838200" y="1690687"/>
-            <a:ext cx="7609114" cy="5028861"/>
+            <a:off x="838200" y="1690688"/>
+            <a:ext cx="9829800" cy="4988440"/>
           </a:xfrm>
           <a:prstGeom prst="rect">
             <a:avLst/>
           </a:prstGeom>
+          <a:ln w="38100" cap="sq">
+            <a:solidFill>
+              <a:srgbClr val="000000"/>
+            </a:solidFill>
+            <a:prstDash val="solid"/>
+            <a:miter lim="800000"/>
+          </a:ln>
+          <a:effectLst>
+            <a:outerShdw blurRad="50800" dist="38100" dir="2700000" algn="tl" rotWithShape="0">
+              <a:srgbClr val="000000">
+                <a:alpha val="43000"/>
+              </a:srgbClr>
+            </a:outerShdw>
+          </a:effectLst>
         </p:spPr>
       </p:pic>
-      <p:cxnSp>
-        <p:nvCxnSpPr>
-          <p:cNvPr id="4" name="직선 연결선 3">
-            <a:extLst>
-              <a:ext uri="{FF2B5EF4-FFF2-40B4-BE49-F238E27FC236}">
-                <a16:creationId xmlns:a16="http://schemas.microsoft.com/office/drawing/2014/main" id="{CC5C6F10-69FE-4C86-8775-B4181A3168D4}"/>
-              </a:ext>
-            </a:extLst>
-          </p:cNvPr>
-          <p:cNvCxnSpPr>
-            <a:cxnSpLocks/>
-          </p:cNvCxnSpPr>
-          <p:nvPr/>
-        </p:nvCxnSpPr>
-        <p:spPr>
-          <a:xfrm>
-            <a:off x="125260" y="1528175"/>
-            <a:ext cx="11924778" cy="0"/>
-          </a:xfrm>
-          <a:prstGeom prst="line">
-            <a:avLst/>
-          </a:prstGeom>
-          <a:ln w="38100"/>
-        </p:spPr>
-        <p:style>
-          <a:lnRef idx="1">
-            <a:schemeClr val="accent1"/>
-          </a:lnRef>
-          <a:fillRef idx="0">
-            <a:schemeClr val="accent1"/>
-          </a:fillRef>
-          <a:effectRef idx="0">
-            <a:schemeClr val="accent1"/>
-          </a:effectRef>
-          <a:fontRef idx="minor">
-            <a:schemeClr val="tx1"/>
-          </a:fontRef>
-        </p:style>
-      </p:cxnSp>
-      <p:cxnSp>
-        <p:nvCxnSpPr>
-          <p:cNvPr id="5" name="직선 연결선 4">
-            <a:extLst>
-              <a:ext uri="{FF2B5EF4-FFF2-40B4-BE49-F238E27FC236}">
-                <a16:creationId xmlns:a16="http://schemas.microsoft.com/office/drawing/2014/main" id="{BED49535-3BDC-49AA-B42B-3F7F65684B22}"/>
-              </a:ext>
-            </a:extLst>
-          </p:cNvPr>
-          <p:cNvCxnSpPr/>
-          <p:nvPr/>
-        </p:nvCxnSpPr>
-        <p:spPr>
-          <a:xfrm>
-            <a:off x="626301" y="365125"/>
-            <a:ext cx="0" cy="6336300"/>
-          </a:xfrm>
-          <a:prstGeom prst="line">
-            <a:avLst/>
-          </a:prstGeom>
-          <a:ln w="57150">
-            <a:solidFill>
-              <a:schemeClr val="accent4">
-                <a:lumMod val="60000"/>
-                <a:lumOff val="40000"/>
-              </a:schemeClr>
-            </a:solidFill>
-          </a:ln>
-        </p:spPr>
-        <p:style>
-          <a:lnRef idx="1">
-            <a:schemeClr val="accent1"/>
-          </a:lnRef>
-          <a:fillRef idx="0">
-            <a:schemeClr val="accent1"/>
-          </a:fillRef>
-          <a:effectRef idx="0">
-            <a:schemeClr val="accent1"/>
-          </a:effectRef>
-          <a:fontRef idx="minor">
-            <a:schemeClr val="tx1"/>
-          </a:fontRef>
-        </p:style>
-      </p:cxnSp>
     </p:spTree>
     <p:extLst>
       <p:ext uri="{BB962C8B-B14F-4D97-AF65-F5344CB8AC3E}">
@@ -11245,9 +11259,92 @@
           </a:p>
         </p:txBody>
       </p:sp>
+      <p:cxnSp>
+        <p:nvCxnSpPr>
+          <p:cNvPr id="4" name="직선 연결선 3">
+            <a:extLst>
+              <a:ext uri="{FF2B5EF4-FFF2-40B4-BE49-F238E27FC236}">
+                <a16:creationId xmlns:a16="http://schemas.microsoft.com/office/drawing/2014/main" id="{CC5C6F10-69FE-4C86-8775-B4181A3168D4}"/>
+              </a:ext>
+            </a:extLst>
+          </p:cNvPr>
+          <p:cNvCxnSpPr>
+            <a:cxnSpLocks/>
+          </p:cNvCxnSpPr>
+          <p:nvPr/>
+        </p:nvCxnSpPr>
+        <p:spPr>
+          <a:xfrm>
+            <a:off x="125260" y="1528175"/>
+            <a:ext cx="11924778" cy="0"/>
+          </a:xfrm>
+          <a:prstGeom prst="line">
+            <a:avLst/>
+          </a:prstGeom>
+          <a:ln w="38100"/>
+        </p:spPr>
+        <p:style>
+          <a:lnRef idx="1">
+            <a:schemeClr val="accent1"/>
+          </a:lnRef>
+          <a:fillRef idx="0">
+            <a:schemeClr val="accent1"/>
+          </a:fillRef>
+          <a:effectRef idx="0">
+            <a:schemeClr val="accent1"/>
+          </a:effectRef>
+          <a:fontRef idx="minor">
+            <a:schemeClr val="tx1"/>
+          </a:fontRef>
+        </p:style>
+      </p:cxnSp>
+      <p:cxnSp>
+        <p:nvCxnSpPr>
+          <p:cNvPr id="5" name="직선 연결선 4">
+            <a:extLst>
+              <a:ext uri="{FF2B5EF4-FFF2-40B4-BE49-F238E27FC236}">
+                <a16:creationId xmlns:a16="http://schemas.microsoft.com/office/drawing/2014/main" id="{BED49535-3BDC-49AA-B42B-3F7F65684B22}"/>
+              </a:ext>
+            </a:extLst>
+          </p:cNvPr>
+          <p:cNvCxnSpPr/>
+          <p:nvPr/>
+        </p:nvCxnSpPr>
+        <p:spPr>
+          <a:xfrm>
+            <a:off x="626301" y="365125"/>
+            <a:ext cx="0" cy="6336300"/>
+          </a:xfrm>
+          <a:prstGeom prst="line">
+            <a:avLst/>
+          </a:prstGeom>
+          <a:ln w="57150">
+            <a:solidFill>
+              <a:schemeClr val="accent4">
+                <a:lumMod val="60000"/>
+                <a:lumOff val="40000"/>
+              </a:schemeClr>
+            </a:solidFill>
+          </a:ln>
+        </p:spPr>
+        <p:style>
+          <a:lnRef idx="1">
+            <a:schemeClr val="accent1"/>
+          </a:lnRef>
+          <a:fillRef idx="0">
+            <a:schemeClr val="accent1"/>
+          </a:fillRef>
+          <a:effectRef idx="0">
+            <a:schemeClr val="accent1"/>
+          </a:effectRef>
+          <a:fontRef idx="minor">
+            <a:schemeClr val="tx1"/>
+          </a:fontRef>
+        </p:style>
+      </p:cxnSp>
       <p:pic>
         <p:nvPicPr>
-          <p:cNvPr id="6" name="내용 개체 틀 5"/>
+          <p:cNvPr id="8" name="내용 개체 틀 7"/>
           <p:cNvPicPr>
             <a:picLocks noGrp="1" noChangeAspect="1"/>
           </p:cNvPicPr>
@@ -11263,97 +11360,28 @@
         </p:blipFill>
         <p:spPr>
           <a:xfrm>
-            <a:off x="1127343" y="1839345"/>
-            <a:ext cx="9905398" cy="2224655"/>
+            <a:off x="838200" y="1690687"/>
+            <a:ext cx="6416040" cy="5041987"/>
           </a:xfrm>
           <a:prstGeom prst="rect">
             <a:avLst/>
           </a:prstGeom>
+          <a:ln w="38100" cap="sq">
+            <a:solidFill>
+              <a:srgbClr val="000000"/>
+            </a:solidFill>
+            <a:prstDash val="solid"/>
+            <a:miter lim="800000"/>
+          </a:ln>
+          <a:effectLst>
+            <a:outerShdw blurRad="50800" dist="38100" dir="2700000" algn="tl" rotWithShape="0">
+              <a:srgbClr val="000000">
+                <a:alpha val="43000"/>
+              </a:srgbClr>
+            </a:outerShdw>
+          </a:effectLst>
         </p:spPr>
       </p:pic>
-      <p:cxnSp>
-        <p:nvCxnSpPr>
-          <p:cNvPr id="4" name="직선 연결선 3">
-            <a:extLst>
-              <a:ext uri="{FF2B5EF4-FFF2-40B4-BE49-F238E27FC236}">
-                <a16:creationId xmlns:a16="http://schemas.microsoft.com/office/drawing/2014/main" id="{CC5C6F10-69FE-4C86-8775-B4181A3168D4}"/>
-              </a:ext>
-            </a:extLst>
-          </p:cNvPr>
-          <p:cNvCxnSpPr>
-            <a:cxnSpLocks/>
-          </p:cNvCxnSpPr>
-          <p:nvPr/>
-        </p:nvCxnSpPr>
-        <p:spPr>
-          <a:xfrm>
-            <a:off x="125260" y="1528175"/>
-            <a:ext cx="11924778" cy="0"/>
-          </a:xfrm>
-          <a:prstGeom prst="line">
-            <a:avLst/>
-          </a:prstGeom>
-          <a:ln w="38100"/>
-        </p:spPr>
-        <p:style>
-          <a:lnRef idx="1">
-            <a:schemeClr val="accent1"/>
-          </a:lnRef>
-          <a:fillRef idx="0">
-            <a:schemeClr val="accent1"/>
-          </a:fillRef>
-          <a:effectRef idx="0">
-            <a:schemeClr val="accent1"/>
-          </a:effectRef>
-          <a:fontRef idx="minor">
-            <a:schemeClr val="tx1"/>
-          </a:fontRef>
-        </p:style>
-      </p:cxnSp>
-      <p:cxnSp>
-        <p:nvCxnSpPr>
-          <p:cNvPr id="5" name="직선 연결선 4">
-            <a:extLst>
-              <a:ext uri="{FF2B5EF4-FFF2-40B4-BE49-F238E27FC236}">
-                <a16:creationId xmlns:a16="http://schemas.microsoft.com/office/drawing/2014/main" id="{BED49535-3BDC-49AA-B42B-3F7F65684B22}"/>
-              </a:ext>
-            </a:extLst>
-          </p:cNvPr>
-          <p:cNvCxnSpPr/>
-          <p:nvPr/>
-        </p:nvCxnSpPr>
-        <p:spPr>
-          <a:xfrm>
-            <a:off x="626301" y="365125"/>
-            <a:ext cx="0" cy="6336300"/>
-          </a:xfrm>
-          <a:prstGeom prst="line">
-            <a:avLst/>
-          </a:prstGeom>
-          <a:ln w="57150">
-            <a:solidFill>
-              <a:schemeClr val="accent4">
-                <a:lumMod val="60000"/>
-                <a:lumOff val="40000"/>
-              </a:schemeClr>
-            </a:solidFill>
-          </a:ln>
-        </p:spPr>
-        <p:style>
-          <a:lnRef idx="1">
-            <a:schemeClr val="accent1"/>
-          </a:lnRef>
-          <a:fillRef idx="0">
-            <a:schemeClr val="accent1"/>
-          </a:fillRef>
-          <a:effectRef idx="0">
-            <a:schemeClr val="accent1"/>
-          </a:effectRef>
-          <a:fontRef idx="minor">
-            <a:schemeClr val="tx1"/>
-          </a:fontRef>
-        </p:style>
-      </p:cxnSp>
     </p:spTree>
     <p:extLst>
       <p:ext uri="{BB962C8B-B14F-4D97-AF65-F5344CB8AC3E}">
@@ -11417,9 +11445,92 @@
           </a:p>
         </p:txBody>
       </p:sp>
+      <p:cxnSp>
+        <p:nvCxnSpPr>
+          <p:cNvPr id="4" name="직선 연결선 3">
+            <a:extLst>
+              <a:ext uri="{FF2B5EF4-FFF2-40B4-BE49-F238E27FC236}">
+                <a16:creationId xmlns:a16="http://schemas.microsoft.com/office/drawing/2014/main" id="{CC5C6F10-69FE-4C86-8775-B4181A3168D4}"/>
+              </a:ext>
+            </a:extLst>
+          </p:cNvPr>
+          <p:cNvCxnSpPr>
+            <a:cxnSpLocks/>
+          </p:cNvCxnSpPr>
+          <p:nvPr/>
+        </p:nvCxnSpPr>
+        <p:spPr>
+          <a:xfrm>
+            <a:off x="125260" y="1528175"/>
+            <a:ext cx="11924778" cy="0"/>
+          </a:xfrm>
+          <a:prstGeom prst="line">
+            <a:avLst/>
+          </a:prstGeom>
+          <a:ln w="38100"/>
+        </p:spPr>
+        <p:style>
+          <a:lnRef idx="1">
+            <a:schemeClr val="accent1"/>
+          </a:lnRef>
+          <a:fillRef idx="0">
+            <a:schemeClr val="accent1"/>
+          </a:fillRef>
+          <a:effectRef idx="0">
+            <a:schemeClr val="accent1"/>
+          </a:effectRef>
+          <a:fontRef idx="minor">
+            <a:schemeClr val="tx1"/>
+          </a:fontRef>
+        </p:style>
+      </p:cxnSp>
+      <p:cxnSp>
+        <p:nvCxnSpPr>
+          <p:cNvPr id="5" name="직선 연결선 4">
+            <a:extLst>
+              <a:ext uri="{FF2B5EF4-FFF2-40B4-BE49-F238E27FC236}">
+                <a16:creationId xmlns:a16="http://schemas.microsoft.com/office/drawing/2014/main" id="{BED49535-3BDC-49AA-B42B-3F7F65684B22}"/>
+              </a:ext>
+            </a:extLst>
+          </p:cNvPr>
+          <p:cNvCxnSpPr/>
+          <p:nvPr/>
+        </p:nvCxnSpPr>
+        <p:spPr>
+          <a:xfrm>
+            <a:off x="626301" y="365125"/>
+            <a:ext cx="0" cy="6336300"/>
+          </a:xfrm>
+          <a:prstGeom prst="line">
+            <a:avLst/>
+          </a:prstGeom>
+          <a:ln w="57150">
+            <a:solidFill>
+              <a:schemeClr val="accent4">
+                <a:lumMod val="60000"/>
+                <a:lumOff val="40000"/>
+              </a:schemeClr>
+            </a:solidFill>
+          </a:ln>
+        </p:spPr>
+        <p:style>
+          <a:lnRef idx="1">
+            <a:schemeClr val="accent1"/>
+          </a:lnRef>
+          <a:fillRef idx="0">
+            <a:schemeClr val="accent1"/>
+          </a:fillRef>
+          <a:effectRef idx="0">
+            <a:schemeClr val="accent1"/>
+          </a:effectRef>
+          <a:fontRef idx="minor">
+            <a:schemeClr val="tx1"/>
+          </a:fontRef>
+        </p:style>
+      </p:cxnSp>
       <p:pic>
         <p:nvPicPr>
-          <p:cNvPr id="6" name="내용 개체 틀 5"/>
+          <p:cNvPr id="7" name="내용 개체 틀 6"/>
           <p:cNvPicPr>
             <a:picLocks noGrp="1" noChangeAspect="1"/>
           </p:cNvPicPr>
@@ -11435,97 +11546,28 @@
         </p:blipFill>
         <p:spPr>
           <a:xfrm>
-            <a:off x="838200" y="1684806"/>
-            <a:ext cx="7711857" cy="4859989"/>
+            <a:off x="910590" y="1704474"/>
+            <a:ext cx="7829550" cy="4977727"/>
           </a:xfrm>
           <a:prstGeom prst="rect">
             <a:avLst/>
           </a:prstGeom>
+          <a:ln w="38100" cap="sq">
+            <a:solidFill>
+              <a:srgbClr val="000000"/>
+            </a:solidFill>
+            <a:prstDash val="solid"/>
+            <a:miter lim="800000"/>
+          </a:ln>
+          <a:effectLst>
+            <a:outerShdw blurRad="50800" dist="38100" dir="2700000" algn="tl" rotWithShape="0">
+              <a:srgbClr val="000000">
+                <a:alpha val="43000"/>
+              </a:srgbClr>
+            </a:outerShdw>
+          </a:effectLst>
         </p:spPr>
       </p:pic>
-      <p:cxnSp>
-        <p:nvCxnSpPr>
-          <p:cNvPr id="4" name="직선 연결선 3">
-            <a:extLst>
-              <a:ext uri="{FF2B5EF4-FFF2-40B4-BE49-F238E27FC236}">
-                <a16:creationId xmlns:a16="http://schemas.microsoft.com/office/drawing/2014/main" id="{CC5C6F10-69FE-4C86-8775-B4181A3168D4}"/>
-              </a:ext>
-            </a:extLst>
-          </p:cNvPr>
-          <p:cNvCxnSpPr>
-            <a:cxnSpLocks/>
-          </p:cNvCxnSpPr>
-          <p:nvPr/>
-        </p:nvCxnSpPr>
-        <p:spPr>
-          <a:xfrm>
-            <a:off x="125260" y="1528175"/>
-            <a:ext cx="11924778" cy="0"/>
-          </a:xfrm>
-          <a:prstGeom prst="line">
-            <a:avLst/>
-          </a:prstGeom>
-          <a:ln w="38100"/>
-        </p:spPr>
-        <p:style>
-          <a:lnRef idx="1">
-            <a:schemeClr val="accent1"/>
-          </a:lnRef>
-          <a:fillRef idx="0">
-            <a:schemeClr val="accent1"/>
-          </a:fillRef>
-          <a:effectRef idx="0">
-            <a:schemeClr val="accent1"/>
-          </a:effectRef>
-          <a:fontRef idx="minor">
-            <a:schemeClr val="tx1"/>
-          </a:fontRef>
-        </p:style>
-      </p:cxnSp>
-      <p:cxnSp>
-        <p:nvCxnSpPr>
-          <p:cNvPr id="5" name="직선 연결선 4">
-            <a:extLst>
-              <a:ext uri="{FF2B5EF4-FFF2-40B4-BE49-F238E27FC236}">
-                <a16:creationId xmlns:a16="http://schemas.microsoft.com/office/drawing/2014/main" id="{BED49535-3BDC-49AA-B42B-3F7F65684B22}"/>
-              </a:ext>
-            </a:extLst>
-          </p:cNvPr>
-          <p:cNvCxnSpPr/>
-          <p:nvPr/>
-        </p:nvCxnSpPr>
-        <p:spPr>
-          <a:xfrm>
-            <a:off x="626301" y="365125"/>
-            <a:ext cx="0" cy="6336300"/>
-          </a:xfrm>
-          <a:prstGeom prst="line">
-            <a:avLst/>
-          </a:prstGeom>
-          <a:ln w="57150">
-            <a:solidFill>
-              <a:schemeClr val="accent4">
-                <a:lumMod val="60000"/>
-                <a:lumOff val="40000"/>
-              </a:schemeClr>
-            </a:solidFill>
-          </a:ln>
-        </p:spPr>
-        <p:style>
-          <a:lnRef idx="1">
-            <a:schemeClr val="accent1"/>
-          </a:lnRef>
-          <a:fillRef idx="0">
-            <a:schemeClr val="accent1"/>
-          </a:fillRef>
-          <a:effectRef idx="0">
-            <a:schemeClr val="accent1"/>
-          </a:effectRef>
-          <a:fontRef idx="minor">
-            <a:schemeClr val="tx1"/>
-          </a:fontRef>
-        </p:style>
-      </p:cxnSp>
     </p:spTree>
     <p:extLst>
       <p:ext uri="{BB962C8B-B14F-4D97-AF65-F5344CB8AC3E}">
@@ -11577,35 +11619,58 @@
           <a:bodyPr/>
           <a:lstStyle/>
           <a:p>
-            <a:endParaRPr lang="ko-KR" altLang="en-US"/>
-          </a:p>
-        </p:txBody>
-      </p:sp>
-      <p:sp>
-        <p:nvSpPr>
-          <p:cNvPr id="3" name="내용 개체 틀 2">
-            <a:extLst>
-              <a:ext uri="{FF2B5EF4-FFF2-40B4-BE49-F238E27FC236}">
-                <a16:creationId xmlns:a16="http://schemas.microsoft.com/office/drawing/2014/main" id="{768CB50F-8DCC-48D6-B9AF-F1F3FC6D984D}"/>
-              </a:ext>
-            </a:extLst>
-          </p:cNvPr>
-          <p:cNvSpPr>
-            <a:spLocks noGrp="1"/>
-          </p:cNvSpPr>
+            <a:r>
+              <a:rPr lang="en-US" altLang="ko-KR" dirty="0"/>
+              <a:t>3. Simple pong – </a:t>
+            </a:r>
+            <a:r>
+              <a:rPr lang="en-US" altLang="ko-KR" dirty="0" smtClean="0"/>
+              <a:t>(4)</a:t>
+            </a:r>
+            <a:endParaRPr lang="ko-KR" altLang="en-US" dirty="0"/>
+          </a:p>
+        </p:txBody>
+      </p:sp>
+      <p:pic>
+        <p:nvPicPr>
+          <p:cNvPr id="6" name="내용 개체 틀 5"/>
+          <p:cNvPicPr>
+            <a:picLocks noGrp="1" noChangeAspect="1"/>
+          </p:cNvPicPr>
           <p:nvPr>
             <p:ph idx="1"/>
           </p:nvPr>
-        </p:nvSpPr>
-        <p:spPr/>
-        <p:txBody>
-          <a:bodyPr/>
-          <a:lstStyle/>
-          <a:p>
-            <a:endParaRPr lang="ko-KR" altLang="en-US" dirty="0"/>
-          </a:p>
-        </p:txBody>
-      </p:sp>
+        </p:nvPicPr>
+        <p:blipFill>
+          <a:blip r:embed="rId2"/>
+          <a:stretch>
+            <a:fillRect/>
+          </a:stretch>
+        </p:blipFill>
+        <p:spPr>
+          <a:xfrm>
+            <a:off x="838200" y="1921033"/>
+            <a:ext cx="4572000" cy="4701285"/>
+          </a:xfrm>
+          <a:prstGeom prst="rect">
+            <a:avLst/>
+          </a:prstGeom>
+          <a:ln w="38100" cap="sq">
+            <a:solidFill>
+              <a:srgbClr val="000000"/>
+            </a:solidFill>
+            <a:prstDash val="solid"/>
+            <a:miter lim="800000"/>
+          </a:ln>
+          <a:effectLst>
+            <a:outerShdw blurRad="50800" dist="38100" dir="2700000" algn="tl" rotWithShape="0">
+              <a:srgbClr val="000000">
+                <a:alpha val="43000"/>
+              </a:srgbClr>
+            </a:outerShdw>
+          </a:effectLst>
+        </p:spPr>
+      </p:pic>
       <p:cxnSp>
         <p:nvCxnSpPr>
           <p:cNvPr id="4" name="직선 연결선 3">
@@ -11740,35 +11805,58 @@
           <a:bodyPr/>
           <a:lstStyle/>
           <a:p>
-            <a:endParaRPr lang="ko-KR" altLang="en-US"/>
-          </a:p>
-        </p:txBody>
-      </p:sp>
-      <p:sp>
-        <p:nvSpPr>
-          <p:cNvPr id="3" name="내용 개체 틀 2">
-            <a:extLst>
-              <a:ext uri="{FF2B5EF4-FFF2-40B4-BE49-F238E27FC236}">
-                <a16:creationId xmlns:a16="http://schemas.microsoft.com/office/drawing/2014/main" id="{768CB50F-8DCC-48D6-B9AF-F1F3FC6D984D}"/>
-              </a:ext>
-            </a:extLst>
-          </p:cNvPr>
-          <p:cNvSpPr>
-            <a:spLocks noGrp="1"/>
-          </p:cNvSpPr>
+            <a:r>
+              <a:rPr lang="en-US" altLang="ko-KR" dirty="0"/>
+              <a:t>3. Simple pong – </a:t>
+            </a:r>
+            <a:r>
+              <a:rPr lang="en-US" altLang="ko-KR" dirty="0" smtClean="0"/>
+              <a:t>(5)</a:t>
+            </a:r>
+            <a:endParaRPr lang="ko-KR" altLang="en-US" dirty="0"/>
+          </a:p>
+        </p:txBody>
+      </p:sp>
+      <p:pic>
+        <p:nvPicPr>
+          <p:cNvPr id="6" name="내용 개체 틀 5"/>
+          <p:cNvPicPr>
+            <a:picLocks noGrp="1" noChangeAspect="1"/>
+          </p:cNvPicPr>
           <p:nvPr>
             <p:ph idx="1"/>
           </p:nvPr>
-        </p:nvSpPr>
-        <p:spPr/>
-        <p:txBody>
-          <a:bodyPr/>
-          <a:lstStyle/>
-          <a:p>
-            <a:endParaRPr lang="ko-KR" altLang="en-US" dirty="0"/>
-          </a:p>
-        </p:txBody>
-      </p:sp>
+        </p:nvPicPr>
+        <p:blipFill>
+          <a:blip r:embed="rId2"/>
+          <a:stretch>
+            <a:fillRect/>
+          </a:stretch>
+        </p:blipFill>
+        <p:spPr>
+          <a:xfrm>
+            <a:off x="838200" y="2000091"/>
+            <a:ext cx="10664503" cy="3311049"/>
+          </a:xfrm>
+          <a:prstGeom prst="rect">
+            <a:avLst/>
+          </a:prstGeom>
+          <a:ln w="38100" cap="sq">
+            <a:solidFill>
+              <a:srgbClr val="000000"/>
+            </a:solidFill>
+            <a:prstDash val="solid"/>
+            <a:miter lim="800000"/>
+          </a:ln>
+          <a:effectLst>
+            <a:outerShdw blurRad="50800" dist="38100" dir="2700000" algn="tl" rotWithShape="0">
+              <a:srgbClr val="000000">
+                <a:alpha val="43000"/>
+              </a:srgbClr>
+            </a:outerShdw>
+          </a:effectLst>
+        </p:spPr>
+      </p:pic>
       <p:cxnSp>
         <p:nvCxnSpPr>
           <p:cNvPr id="4" name="직선 연결선 3">
@@ -11903,35 +11991,44 @@
           <a:bodyPr/>
           <a:lstStyle/>
           <a:p>
-            <a:endParaRPr lang="ko-KR" altLang="en-US"/>
-          </a:p>
-        </p:txBody>
-      </p:sp>
-      <p:sp>
-        <p:nvSpPr>
-          <p:cNvPr id="3" name="내용 개체 틀 2">
-            <a:extLst>
-              <a:ext uri="{FF2B5EF4-FFF2-40B4-BE49-F238E27FC236}">
-                <a16:creationId xmlns:a16="http://schemas.microsoft.com/office/drawing/2014/main" id="{768CB50F-8DCC-48D6-B9AF-F1F3FC6D984D}"/>
-              </a:ext>
-            </a:extLst>
-          </p:cNvPr>
-          <p:cNvSpPr>
-            <a:spLocks noGrp="1"/>
-          </p:cNvSpPr>
+            <a:r>
+              <a:rPr lang="en-US" altLang="ko-KR" dirty="0"/>
+              <a:t>3. Simple pong – </a:t>
+            </a:r>
+            <a:r>
+              <a:rPr lang="en-US" altLang="ko-KR" dirty="0" smtClean="0"/>
+              <a:t>(6)</a:t>
+            </a:r>
+            <a:endParaRPr lang="ko-KR" altLang="en-US" dirty="0"/>
+          </a:p>
+        </p:txBody>
+      </p:sp>
+      <p:pic>
+        <p:nvPicPr>
+          <p:cNvPr id="6" name="내용 개체 틀 5"/>
+          <p:cNvPicPr>
+            <a:picLocks noGrp="1" noChangeAspect="1"/>
+          </p:cNvPicPr>
           <p:nvPr>
             <p:ph idx="1"/>
           </p:nvPr>
-        </p:nvSpPr>
-        <p:spPr/>
-        <p:txBody>
-          <a:bodyPr/>
-          <a:lstStyle/>
-          <a:p>
-            <a:endParaRPr lang="ko-KR" altLang="en-US" dirty="0"/>
-          </a:p>
-        </p:txBody>
-      </p:sp>
+        </p:nvPicPr>
+        <p:blipFill>
+          <a:blip r:embed="rId2"/>
+          <a:stretch>
+            <a:fillRect/>
+          </a:stretch>
+        </p:blipFill>
+        <p:spPr>
+          <a:xfrm>
+            <a:off x="2461260" y="2216309"/>
+            <a:ext cx="7252335" cy="3974190"/>
+          </a:xfrm>
+          <a:prstGeom prst="rect">
+            <a:avLst/>
+          </a:prstGeom>
+        </p:spPr>
+      </p:pic>
       <p:cxnSp>
         <p:nvCxnSpPr>
           <p:cNvPr id="4" name="직선 연결선 3">

--- a/pygame.pptx
+++ b/pygame.pptx
@@ -5,7 +5,7 @@
     <p:sldMasterId id="2147483648" r:id="rId1"/>
   </p:sldMasterIdLst>
   <p:notesMasterIdLst>
-    <p:notesMasterId r:id="rId49"/>
+    <p:notesMasterId r:id="rId48"/>
   </p:notesMasterIdLst>
   <p:sldIdLst>
     <p:sldId id="256" r:id="rId2"/>
@@ -44,17 +44,16 @@
     <p:sldId id="290" r:id="rId35"/>
     <p:sldId id="291" r:id="rId36"/>
     <p:sldId id="292" r:id="rId37"/>
-    <p:sldId id="293" r:id="rId38"/>
-    <p:sldId id="294" r:id="rId39"/>
-    <p:sldId id="295" r:id="rId40"/>
-    <p:sldId id="296" r:id="rId41"/>
-    <p:sldId id="297" r:id="rId42"/>
-    <p:sldId id="298" r:id="rId43"/>
-    <p:sldId id="299" r:id="rId44"/>
-    <p:sldId id="300" r:id="rId45"/>
-    <p:sldId id="301" r:id="rId46"/>
-    <p:sldId id="302" r:id="rId47"/>
-    <p:sldId id="262" r:id="rId48"/>
+    <p:sldId id="294" r:id="rId38"/>
+    <p:sldId id="295" r:id="rId39"/>
+    <p:sldId id="296" r:id="rId40"/>
+    <p:sldId id="297" r:id="rId41"/>
+    <p:sldId id="298" r:id="rId42"/>
+    <p:sldId id="299" r:id="rId43"/>
+    <p:sldId id="300" r:id="rId44"/>
+    <p:sldId id="301" r:id="rId45"/>
+    <p:sldId id="302" r:id="rId46"/>
+    <p:sldId id="262" r:id="rId47"/>
   </p:sldIdLst>
   <p:sldSz cx="12192000" cy="6858000"/>
   <p:notesSz cx="6858000" cy="9144000"/>
@@ -243,7 +242,7 @@
           <a:p>
             <a:fld id="{7DDCB493-D710-45D2-9346-43FA93EFD35C}" type="datetimeFigureOut">
               <a:rPr lang="ko-KR" altLang="en-US" smtClean="0"/>
-              <a:t>2023-10-17</a:t>
+              <a:t>2023-10-19</a:t>
             </a:fld>
             <a:endParaRPr lang="ko-KR" altLang="en-US"/>
           </a:p>
@@ -639,7 +638,7 @@
           <a:p>
             <a:fld id="{8E0F3B63-B1CB-4D30-AC7C-300C5C3E278C}" type="datetimeFigureOut">
               <a:rPr lang="ko-KR" altLang="en-US" smtClean="0"/>
-              <a:t>2023-10-17</a:t>
+              <a:t>2023-10-19</a:t>
             </a:fld>
             <a:endParaRPr lang="ko-KR" altLang="en-US"/>
           </a:p>
@@ -807,7 +806,7 @@
           <a:p>
             <a:fld id="{8E0F3B63-B1CB-4D30-AC7C-300C5C3E278C}" type="datetimeFigureOut">
               <a:rPr lang="ko-KR" altLang="en-US" smtClean="0"/>
-              <a:t>2023-10-17</a:t>
+              <a:t>2023-10-19</a:t>
             </a:fld>
             <a:endParaRPr lang="ko-KR" altLang="en-US"/>
           </a:p>
@@ -985,7 +984,7 @@
           <a:p>
             <a:fld id="{8E0F3B63-B1CB-4D30-AC7C-300C5C3E278C}" type="datetimeFigureOut">
               <a:rPr lang="ko-KR" altLang="en-US" smtClean="0"/>
-              <a:t>2023-10-17</a:t>
+              <a:t>2023-10-19</a:t>
             </a:fld>
             <a:endParaRPr lang="ko-KR" altLang="en-US"/>
           </a:p>
@@ -1153,7 +1152,7 @@
           <a:p>
             <a:fld id="{8E0F3B63-B1CB-4D30-AC7C-300C5C3E278C}" type="datetimeFigureOut">
               <a:rPr lang="ko-KR" altLang="en-US" smtClean="0"/>
-              <a:t>2023-10-17</a:t>
+              <a:t>2023-10-19</a:t>
             </a:fld>
             <a:endParaRPr lang="ko-KR" altLang="en-US"/>
           </a:p>
@@ -1398,7 +1397,7 @@
           <a:p>
             <a:fld id="{8E0F3B63-B1CB-4D30-AC7C-300C5C3E278C}" type="datetimeFigureOut">
               <a:rPr lang="ko-KR" altLang="en-US" smtClean="0"/>
-              <a:t>2023-10-17</a:t>
+              <a:t>2023-10-19</a:t>
             </a:fld>
             <a:endParaRPr lang="ko-KR" altLang="en-US"/>
           </a:p>
@@ -1627,7 +1626,7 @@
           <a:p>
             <a:fld id="{8E0F3B63-B1CB-4D30-AC7C-300C5C3E278C}" type="datetimeFigureOut">
               <a:rPr lang="ko-KR" altLang="en-US" smtClean="0"/>
-              <a:t>2023-10-17</a:t>
+              <a:t>2023-10-19</a:t>
             </a:fld>
             <a:endParaRPr lang="ko-KR" altLang="en-US"/>
           </a:p>
@@ -1991,7 +1990,7 @@
           <a:p>
             <a:fld id="{8E0F3B63-B1CB-4D30-AC7C-300C5C3E278C}" type="datetimeFigureOut">
               <a:rPr lang="ko-KR" altLang="en-US" smtClean="0"/>
-              <a:t>2023-10-17</a:t>
+              <a:t>2023-10-19</a:t>
             </a:fld>
             <a:endParaRPr lang="ko-KR" altLang="en-US"/>
           </a:p>
@@ -2108,7 +2107,7 @@
           <a:p>
             <a:fld id="{8E0F3B63-B1CB-4D30-AC7C-300C5C3E278C}" type="datetimeFigureOut">
               <a:rPr lang="ko-KR" altLang="en-US" smtClean="0"/>
-              <a:t>2023-10-17</a:t>
+              <a:t>2023-10-19</a:t>
             </a:fld>
             <a:endParaRPr lang="ko-KR" altLang="en-US"/>
           </a:p>
@@ -2203,7 +2202,7 @@
           <a:p>
             <a:fld id="{8E0F3B63-B1CB-4D30-AC7C-300C5C3E278C}" type="datetimeFigureOut">
               <a:rPr lang="ko-KR" altLang="en-US" smtClean="0"/>
-              <a:t>2023-10-17</a:t>
+              <a:t>2023-10-19</a:t>
             </a:fld>
             <a:endParaRPr lang="ko-KR" altLang="en-US"/>
           </a:p>
@@ -2478,7 +2477,7 @@
           <a:p>
             <a:fld id="{8E0F3B63-B1CB-4D30-AC7C-300C5C3E278C}" type="datetimeFigureOut">
               <a:rPr lang="ko-KR" altLang="en-US" smtClean="0"/>
-              <a:t>2023-10-17</a:t>
+              <a:t>2023-10-19</a:t>
             </a:fld>
             <a:endParaRPr lang="ko-KR" altLang="en-US"/>
           </a:p>
@@ -2730,7 +2729,7 @@
           <a:p>
             <a:fld id="{8E0F3B63-B1CB-4D30-AC7C-300C5C3E278C}" type="datetimeFigureOut">
               <a:rPr lang="ko-KR" altLang="en-US" smtClean="0"/>
-              <a:t>2023-10-17</a:t>
+              <a:t>2023-10-19</a:t>
             </a:fld>
             <a:endParaRPr lang="ko-KR" altLang="en-US"/>
           </a:p>
@@ -2941,7 +2940,7 @@
           <a:p>
             <a:fld id="{8E0F3B63-B1CB-4D30-AC7C-300C5C3E278C}" type="datetimeFigureOut">
               <a:rPr lang="ko-KR" altLang="en-US" smtClean="0"/>
-              <a:t>2023-10-17</a:t>
+              <a:t>2023-10-19</a:t>
             </a:fld>
             <a:endParaRPr lang="ko-KR" altLang="en-US"/>
           </a:p>
@@ -6585,12 +6584,8 @@
               <a:t>변경된 영역의 경계를 지정하는 </a:t>
             </a:r>
             <a:r>
-              <a:rPr lang="en-US" altLang="ko-KR" dirty="0" err="1"/>
-              <a:t>Rect</a:t>
-            </a:r>
-            <a:r>
               <a:rPr lang="en-US" altLang="ko-KR" dirty="0"/>
-              <a:t> </a:t>
+              <a:t>Rect </a:t>
             </a:r>
             <a:r>
               <a:rPr lang="ko-KR" altLang="en-US" dirty="0"/>
@@ -12163,7 +12158,15 @@
           <a:bodyPr/>
           <a:lstStyle/>
           <a:p>
-            <a:endParaRPr lang="ko-KR" altLang="en-US"/>
+            <a:r>
+              <a:rPr lang="en-US" altLang="ko-KR" dirty="0" smtClean="0"/>
+              <a:t>3. Rect </a:t>
+            </a:r>
+            <a:r>
+              <a:rPr lang="ko-KR" altLang="en-US" dirty="0" smtClean="0"/>
+              <a:t>객체</a:t>
+            </a:r>
+            <a:endParaRPr lang="ko-KR" altLang="en-US" dirty="0"/>
           </a:p>
         </p:txBody>
       </p:sp>
@@ -12187,6 +12190,50 @@
         <p:txBody>
           <a:bodyPr/>
           <a:lstStyle/>
+          <a:p>
+            <a:r>
+              <a:rPr lang="en-US" altLang="ko-KR" dirty="0" smtClean="0"/>
+              <a:t>Pygame</a:t>
+            </a:r>
+            <a:r>
+              <a:rPr lang="ko-KR" altLang="en-US" dirty="0" smtClean="0"/>
+              <a:t>에 </a:t>
+            </a:r>
+            <a:r>
+              <a:rPr lang="en-US" altLang="ko-KR" dirty="0" smtClean="0"/>
+              <a:t>Rect </a:t>
+            </a:r>
+            <a:r>
+              <a:rPr lang="ko-KR" altLang="en-US" dirty="0" smtClean="0"/>
+              <a:t>클래스</a:t>
+            </a:r>
+            <a:r>
+              <a:rPr lang="en-US" altLang="ko-KR" dirty="0" smtClean="0"/>
+              <a:t>(</a:t>
+            </a:r>
+            <a:r>
+              <a:rPr lang="ko-KR" altLang="en-US" dirty="0" smtClean="0"/>
+              <a:t>직사각형</a:t>
+            </a:r>
+            <a:r>
+              <a:rPr lang="en-US" altLang="ko-KR" dirty="0" smtClean="0"/>
+              <a:t>)</a:t>
+            </a:r>
+            <a:r>
+              <a:rPr lang="ko-KR" altLang="en-US" dirty="0" smtClean="0"/>
+              <a:t>는 그래픽 프로그래밍에서 매우 유용한 객체</a:t>
+            </a:r>
+            <a:r>
+              <a:rPr lang="en-US" altLang="ko-KR" dirty="0" smtClean="0"/>
+              <a:t>.</a:t>
+            </a:r>
+          </a:p>
+          <a:p>
+            <a:endParaRPr lang="en-US" altLang="ko-KR" dirty="0" smtClean="0"/>
+          </a:p>
+          <a:p>
+            <a:endParaRPr lang="en-US" altLang="ko-KR" dirty="0" smtClean="0"/>
+          </a:p>
           <a:p>
             <a:endParaRPr lang="ko-KR" altLang="en-US" dirty="0"/>
           </a:p>
@@ -12275,6 +12322,44 @@
           </a:fontRef>
         </p:style>
       </p:cxnSp>
+      <p:pic>
+        <p:nvPicPr>
+          <p:cNvPr id="6" name="그림 5"/>
+          <p:cNvPicPr>
+            <a:picLocks noChangeAspect="1"/>
+          </p:cNvPicPr>
+          <p:nvPr/>
+        </p:nvPicPr>
+        <p:blipFill>
+          <a:blip r:embed="rId2"/>
+          <a:stretch>
+            <a:fillRect/>
+          </a:stretch>
+        </p:blipFill>
+        <p:spPr>
+          <a:xfrm>
+            <a:off x="1127343" y="2984365"/>
+            <a:ext cx="9424884" cy="2531064"/>
+          </a:xfrm>
+          <a:prstGeom prst="rect">
+            <a:avLst/>
+          </a:prstGeom>
+          <a:ln w="38100" cap="sq">
+            <a:solidFill>
+              <a:srgbClr val="000000"/>
+            </a:solidFill>
+            <a:prstDash val="solid"/>
+            <a:miter lim="800000"/>
+          </a:ln>
+          <a:effectLst>
+            <a:outerShdw blurRad="50800" dist="38100" dir="2700000" algn="tl" rotWithShape="0">
+              <a:srgbClr val="000000">
+                <a:alpha val="43000"/>
+              </a:srgbClr>
+            </a:outerShdw>
+          </a:effectLst>
+        </p:spPr>
+      </p:pic>
     </p:spTree>
     <p:extLst>
       <p:ext uri="{BB962C8B-B14F-4D97-AF65-F5344CB8AC3E}">
@@ -12326,7 +12411,31 @@
           <a:bodyPr/>
           <a:lstStyle/>
           <a:p>
-            <a:endParaRPr lang="ko-KR" altLang="en-US"/>
+            <a:r>
+              <a:rPr lang="en-US" altLang="ko-KR" dirty="0"/>
+              <a:t>3. Rect </a:t>
+            </a:r>
+            <a:r>
+              <a:rPr lang="ko-KR" altLang="en-US" dirty="0"/>
+              <a:t>객체 </a:t>
+            </a:r>
+            <a:r>
+              <a:rPr lang="en-US" altLang="ko-KR" dirty="0"/>
+              <a:t>– </a:t>
+            </a:r>
+            <a:r>
+              <a:rPr lang="ko-KR" altLang="en-US" dirty="0"/>
+              <a:t>가상 </a:t>
+            </a:r>
+            <a:r>
+              <a:rPr lang="ko-KR" altLang="en-US" dirty="0" smtClean="0"/>
+              <a:t>속성</a:t>
+            </a:r>
+            <a:r>
+              <a:rPr lang="en-US" altLang="ko-KR" dirty="0" smtClean="0"/>
+              <a:t>(1)</a:t>
+            </a:r>
+            <a:endParaRPr lang="ko-KR" altLang="en-US" dirty="0"/>
           </a:p>
         </p:txBody>
       </p:sp>
@@ -12350,6 +12459,33 @@
         <p:txBody>
           <a:bodyPr/>
           <a:lstStyle/>
+          <a:p>
+            <a:r>
+              <a:rPr lang="en-US" altLang="ko-KR" sz="2400" dirty="0"/>
+              <a:t>Rect </a:t>
+            </a:r>
+            <a:r>
+              <a:rPr lang="ko-KR" altLang="en-US" sz="2400" dirty="0"/>
+              <a:t>객체를 이동하고 정렬하는데 사용할 수 있는 여러 가상 </a:t>
+            </a:r>
+            <a:r>
+              <a:rPr lang="ko-KR" altLang="en-US" sz="2400" dirty="0" smtClean="0"/>
+              <a:t>속성</a:t>
+            </a:r>
+            <a:r>
+              <a:rPr lang="en-US" altLang="ko-KR" sz="2400" dirty="0" smtClean="0"/>
+              <a:t>.</a:t>
+            </a:r>
+          </a:p>
+          <a:p>
+            <a:r>
+              <a:rPr lang="ko-KR" altLang="en-US" dirty="0"/>
+              <a:t>크기를 변경하지 않고 사각형을 이동</a:t>
+            </a:r>
+          </a:p>
+          <a:p>
+            <a:endParaRPr lang="en-US" altLang="ko-KR" dirty="0"/>
+          </a:p>
           <a:p>
             <a:endParaRPr lang="ko-KR" altLang="en-US" dirty="0"/>
           </a:p>
@@ -12438,10 +12574,47 @@
           </a:fontRef>
         </p:style>
       </p:cxnSp>
+      <p:pic>
+        <p:nvPicPr>
+          <p:cNvPr id="6" name="내용 개체 틀 5"/>
+          <p:cNvPicPr>
+            <a:picLocks noChangeAspect="1"/>
+          </p:cNvPicPr>
+          <p:nvPr/>
+        </p:nvPicPr>
+        <p:blipFill rotWithShape="1">
+          <a:blip r:embed="rId2"/>
+          <a:srcRect l="2096" b="7715"/>
+          <a:stretch/>
+        </p:blipFill>
+        <p:spPr>
+          <a:xfrm>
+            <a:off x="1127342" y="3073107"/>
+            <a:ext cx="10377401" cy="2834207"/>
+          </a:xfrm>
+          <a:prstGeom prst="rect">
+            <a:avLst/>
+          </a:prstGeom>
+          <a:ln w="38100" cap="sq">
+            <a:solidFill>
+              <a:srgbClr val="000000"/>
+            </a:solidFill>
+            <a:prstDash val="solid"/>
+            <a:miter lim="800000"/>
+          </a:ln>
+          <a:effectLst>
+            <a:outerShdw blurRad="50800" dist="38100" dir="2700000" algn="tl" rotWithShape="0">
+              <a:srgbClr val="000000">
+                <a:alpha val="43000"/>
+              </a:srgbClr>
+            </a:outerShdw>
+          </a:effectLst>
+        </p:spPr>
+      </p:pic>
     </p:spTree>
     <p:extLst>
       <p:ext uri="{BB962C8B-B14F-4D97-AF65-F5344CB8AC3E}">
-        <p14:creationId xmlns:p14="http://schemas.microsoft.com/office/powerpoint/2010/main" val="179857292"/>
+        <p14:creationId xmlns:p14="http://schemas.microsoft.com/office/powerpoint/2010/main" val="3826132849"/>
       </p:ext>
     </p:extLst>
   </p:cSld>
@@ -12468,143 +12641,111 @@
           <a:chExt cx="0" cy="0"/>
         </a:xfrm>
       </p:grpSpPr>
-      <p:sp>
-        <p:nvSpPr>
-          <p:cNvPr id="2" name="제목 1">
-            <a:extLst>
-              <a:ext uri="{FF2B5EF4-FFF2-40B4-BE49-F238E27FC236}">
-                <a16:creationId xmlns:a16="http://schemas.microsoft.com/office/drawing/2014/main" id="{2D872C09-176D-4E04-A038-9AE148A6E960}"/>
-              </a:ext>
-            </a:extLst>
-          </p:cNvPr>
-          <p:cNvSpPr>
-            <a:spLocks noGrp="1"/>
-          </p:cNvSpPr>
-          <p:nvPr>
-            <p:ph type="title"/>
-          </p:nvPr>
-        </p:nvSpPr>
-        <p:spPr/>
-        <p:txBody>
-          <a:bodyPr/>
-          <a:lstStyle/>
-          <a:p>
-            <a:endParaRPr lang="ko-KR" altLang="en-US"/>
-          </a:p>
-        </p:txBody>
-      </p:sp>
-      <p:sp>
-        <p:nvSpPr>
-          <p:cNvPr id="3" name="내용 개체 틀 2">
-            <a:extLst>
-              <a:ext uri="{FF2B5EF4-FFF2-40B4-BE49-F238E27FC236}">
-                <a16:creationId xmlns:a16="http://schemas.microsoft.com/office/drawing/2014/main" id="{768CB50F-8DCC-48D6-B9AF-F1F3FC6D984D}"/>
-              </a:ext>
-            </a:extLst>
-          </p:cNvPr>
-          <p:cNvSpPr>
-            <a:spLocks noGrp="1"/>
-          </p:cNvSpPr>
+      <p:pic>
+        <p:nvPicPr>
+          <p:cNvPr id="6" name="내용 개체 틀 5"/>
+          <p:cNvPicPr>
+            <a:picLocks noGrp="1" noChangeAspect="1"/>
+          </p:cNvPicPr>
           <p:nvPr>
             <p:ph idx="1"/>
           </p:nvPr>
-        </p:nvSpPr>
-        <p:spPr/>
-        <p:txBody>
-          <a:bodyPr/>
-          <a:lstStyle/>
-          <a:p>
-            <a:endParaRPr lang="ko-KR" altLang="en-US" dirty="0"/>
-          </a:p>
-        </p:txBody>
-      </p:sp>
-      <p:cxnSp>
-        <p:nvCxnSpPr>
-          <p:cNvPr id="4" name="직선 연결선 3">
-            <a:extLst>
-              <a:ext uri="{FF2B5EF4-FFF2-40B4-BE49-F238E27FC236}">
-                <a16:creationId xmlns:a16="http://schemas.microsoft.com/office/drawing/2014/main" id="{CC5C6F10-69FE-4C86-8775-B4181A3168D4}"/>
-              </a:ext>
-            </a:extLst>
-          </p:cNvPr>
-          <p:cNvCxnSpPr>
-            <a:cxnSpLocks/>
-          </p:cNvCxnSpPr>
-          <p:nvPr/>
-        </p:nvCxnSpPr>
-        <p:spPr>
-          <a:xfrm>
-            <a:off x="125260" y="1528175"/>
-            <a:ext cx="11924778" cy="0"/>
-          </a:xfrm>
-          <a:prstGeom prst="line">
-            <a:avLst/>
-          </a:prstGeom>
-          <a:ln w="38100"/>
-        </p:spPr>
-        <p:style>
-          <a:lnRef idx="1">
-            <a:schemeClr val="accent1"/>
-          </a:lnRef>
-          <a:fillRef idx="0">
-            <a:schemeClr val="accent1"/>
-          </a:fillRef>
-          <a:effectRef idx="0">
-            <a:schemeClr val="accent1"/>
-          </a:effectRef>
-          <a:fontRef idx="minor">
-            <a:schemeClr val="tx1"/>
-          </a:fontRef>
-        </p:style>
-      </p:cxnSp>
-      <p:cxnSp>
-        <p:nvCxnSpPr>
-          <p:cNvPr id="5" name="직선 연결선 4">
-            <a:extLst>
-              <a:ext uri="{FF2B5EF4-FFF2-40B4-BE49-F238E27FC236}">
-                <a16:creationId xmlns:a16="http://schemas.microsoft.com/office/drawing/2014/main" id="{BED49535-3BDC-49AA-B42B-3F7F65684B22}"/>
-              </a:ext>
-            </a:extLst>
-          </p:cNvPr>
-          <p:cNvCxnSpPr/>
-          <p:nvPr/>
-        </p:nvCxnSpPr>
-        <p:spPr>
-          <a:xfrm>
-            <a:off x="626301" y="365125"/>
-            <a:ext cx="0" cy="6336300"/>
-          </a:xfrm>
-          <a:prstGeom prst="line">
-            <a:avLst/>
-          </a:prstGeom>
-          <a:ln w="57150">
+        </p:nvPicPr>
+        <p:blipFill>
+          <a:blip r:embed="rId2"/>
+          <a:stretch>
+            <a:fillRect/>
+          </a:stretch>
+        </p:blipFill>
+        <p:spPr>
+          <a:xfrm>
+            <a:off x="551544" y="130629"/>
+            <a:ext cx="11103428" cy="6604000"/>
+          </a:xfrm>
+          <a:prstGeom prst="rect">
+            <a:avLst/>
+          </a:prstGeom>
+          <a:ln w="38100" cap="sq">
             <a:solidFill>
-              <a:schemeClr val="accent4">
-                <a:lumMod val="60000"/>
-                <a:lumOff val="40000"/>
-              </a:schemeClr>
+              <a:srgbClr val="000000"/>
             </a:solidFill>
+            <a:prstDash val="solid"/>
+            <a:miter lim="800000"/>
           </a:ln>
-        </p:spPr>
-        <p:style>
-          <a:lnRef idx="1">
-            <a:schemeClr val="accent1"/>
-          </a:lnRef>
-          <a:fillRef idx="0">
-            <a:schemeClr val="accent1"/>
-          </a:fillRef>
-          <a:effectRef idx="0">
-            <a:schemeClr val="accent1"/>
-          </a:effectRef>
-          <a:fontRef idx="minor">
-            <a:schemeClr val="tx1"/>
-          </a:fontRef>
-        </p:style>
-      </p:cxnSp>
+          <a:effectLst>
+            <a:outerShdw blurRad="50800" dist="38100" dir="2700000" algn="tl" rotWithShape="0">
+              <a:srgbClr val="000000">
+                <a:alpha val="43000"/>
+              </a:srgbClr>
+            </a:outerShdw>
+          </a:effectLst>
+        </p:spPr>
+      </p:pic>
+      <p:pic>
+        <p:nvPicPr>
+          <p:cNvPr id="7" name="그림 6"/>
+          <p:cNvPicPr>
+            <a:picLocks noChangeAspect="1"/>
+          </p:cNvPicPr>
+          <p:nvPr/>
+        </p:nvPicPr>
+        <p:blipFill rotWithShape="1">
+          <a:blip r:embed="rId3"/>
+          <a:srcRect r="43272"/>
+          <a:stretch/>
+        </p:blipFill>
+        <p:spPr>
+          <a:xfrm>
+            <a:off x="6458857" y="3713843"/>
+            <a:ext cx="4992915" cy="1714500"/>
+          </a:xfrm>
+          <a:prstGeom prst="rect">
+            <a:avLst/>
+          </a:prstGeom>
+          <a:ln w="38100" cap="sq">
+            <a:solidFill>
+              <a:srgbClr val="000000"/>
+            </a:solidFill>
+            <a:prstDash val="solid"/>
+            <a:miter lim="800000"/>
+          </a:ln>
+          <a:effectLst>
+            <a:outerShdw blurRad="50800" dist="38100" dir="2700000" algn="tl" rotWithShape="0">
+              <a:srgbClr val="000000">
+                <a:alpha val="43000"/>
+              </a:srgbClr>
+            </a:outerShdw>
+          </a:effectLst>
+        </p:spPr>
+      </p:pic>
+      <p:pic>
+        <p:nvPicPr>
+          <p:cNvPr id="8" name="그림 7"/>
+          <p:cNvPicPr>
+            <a:picLocks noChangeAspect="1"/>
+          </p:cNvPicPr>
+          <p:nvPr/>
+        </p:nvPicPr>
+        <p:blipFill>
+          <a:blip r:embed="rId4"/>
+          <a:stretch>
+            <a:fillRect/>
+          </a:stretch>
+        </p:blipFill>
+        <p:spPr>
+          <a:xfrm>
+            <a:off x="9438691" y="349248"/>
+            <a:ext cx="2013081" cy="782865"/>
+          </a:xfrm>
+          <a:prstGeom prst="rect">
+            <a:avLst/>
+          </a:prstGeom>
+        </p:spPr>
+      </p:pic>
     </p:spTree>
     <p:extLst>
       <p:ext uri="{BB962C8B-B14F-4D97-AF65-F5344CB8AC3E}">
-        <p14:creationId xmlns:p14="http://schemas.microsoft.com/office/powerpoint/2010/main" val="3826132849"/>
+        <p14:creationId xmlns:p14="http://schemas.microsoft.com/office/powerpoint/2010/main" val="3990320447"/>
       </p:ext>
     </p:extLst>
   </p:cSld>
@@ -12631,79 +12772,401 @@
           <a:chExt cx="0" cy="0"/>
         </a:xfrm>
       </p:grpSpPr>
-      <p:sp>
-        <p:nvSpPr>
-          <p:cNvPr id="2" name="제목 1">
-            <a:extLst>
-              <a:ext uri="{FF2B5EF4-FFF2-40B4-BE49-F238E27FC236}">
-                <a16:creationId xmlns:a16="http://schemas.microsoft.com/office/drawing/2014/main" id="{2D872C09-176D-4E04-A038-9AE148A6E960}"/>
-              </a:ext>
-            </a:extLst>
-          </p:cNvPr>
-          <p:cNvSpPr>
-            <a:spLocks noGrp="1"/>
-          </p:cNvSpPr>
-          <p:nvPr>
-            <p:ph type="title"/>
-          </p:nvPr>
-        </p:nvSpPr>
-        <p:spPr/>
-        <p:txBody>
-          <a:bodyPr/>
-          <a:lstStyle/>
-          <a:p>
-            <a:endParaRPr lang="ko-KR" altLang="en-US"/>
-          </a:p>
-        </p:txBody>
-      </p:sp>
-      <p:sp>
-        <p:nvSpPr>
-          <p:cNvPr id="3" name="내용 개체 틀 2">
-            <a:extLst>
-              <a:ext uri="{FF2B5EF4-FFF2-40B4-BE49-F238E27FC236}">
-                <a16:creationId xmlns:a16="http://schemas.microsoft.com/office/drawing/2014/main" id="{768CB50F-8DCC-48D6-B9AF-F1F3FC6D984D}"/>
-              </a:ext>
-            </a:extLst>
-          </p:cNvPr>
-          <p:cNvSpPr>
-            <a:spLocks noGrp="1"/>
-          </p:cNvSpPr>
+      <p:pic>
+        <p:nvPicPr>
+          <p:cNvPr id="6" name="내용 개체 틀 5"/>
+          <p:cNvPicPr>
+            <a:picLocks noGrp="1" noChangeAspect="1"/>
+          </p:cNvPicPr>
           <p:nvPr>
             <p:ph idx="1"/>
           </p:nvPr>
-        </p:nvSpPr>
-        <p:spPr/>
-        <p:txBody>
-          <a:bodyPr/>
-          <a:lstStyle/>
-          <a:p>
-            <a:endParaRPr lang="ko-KR" altLang="en-US" dirty="0"/>
-          </a:p>
-        </p:txBody>
-      </p:sp>
+        </p:nvPicPr>
+        <p:blipFill>
+          <a:blip r:embed="rId2"/>
+          <a:stretch>
+            <a:fillRect/>
+          </a:stretch>
+        </p:blipFill>
+        <p:spPr>
+          <a:xfrm>
+            <a:off x="675368" y="1062605"/>
+            <a:ext cx="10857300" cy="5004367"/>
+          </a:xfrm>
+          <a:prstGeom prst="rect">
+            <a:avLst/>
+          </a:prstGeom>
+        </p:spPr>
+      </p:pic>
       <p:cxnSp>
         <p:nvCxnSpPr>
-          <p:cNvPr id="4" name="직선 연결선 3">
-            <a:extLst>
-              <a:ext uri="{FF2B5EF4-FFF2-40B4-BE49-F238E27FC236}">
-                <a16:creationId xmlns:a16="http://schemas.microsoft.com/office/drawing/2014/main" id="{CC5C6F10-69FE-4C86-8775-B4181A3168D4}"/>
-              </a:ext>
-            </a:extLst>
-          </p:cNvPr>
-          <p:cNvCxnSpPr>
-            <a:cxnSpLocks/>
-          </p:cNvCxnSpPr>
+          <p:cNvPr id="10" name="직선 화살표 연결선 9"/>
+          <p:cNvCxnSpPr/>
           <p:nvPr/>
         </p:nvCxnSpPr>
         <p:spPr>
           <a:xfrm>
-            <a:off x="125260" y="1528175"/>
-            <a:ext cx="11924778" cy="0"/>
+            <a:off x="783772" y="3062514"/>
+            <a:ext cx="914400" cy="0"/>
+          </a:xfrm>
+          <a:prstGeom prst="straightConnector1">
+            <a:avLst/>
+          </a:prstGeom>
+          <a:ln>
+            <a:solidFill>
+              <a:srgbClr val="FFFF00"/>
+            </a:solidFill>
+            <a:tailEnd type="triangle"/>
+          </a:ln>
+        </p:spPr>
+        <p:style>
+          <a:lnRef idx="1">
+            <a:schemeClr val="accent1"/>
+          </a:lnRef>
+          <a:fillRef idx="0">
+            <a:schemeClr val="accent1"/>
+          </a:fillRef>
+          <a:effectRef idx="0">
+            <a:schemeClr val="accent1"/>
+          </a:effectRef>
+          <a:fontRef idx="minor">
+            <a:schemeClr val="tx1"/>
+          </a:fontRef>
+        </p:style>
+      </p:cxnSp>
+      <p:sp>
+        <p:nvSpPr>
+          <p:cNvPr id="11" name="TextBox 10"/>
+          <p:cNvSpPr txBox="1"/>
+          <p:nvPr/>
+        </p:nvSpPr>
+        <p:spPr>
+          <a:xfrm>
+            <a:off x="1022002" y="3195456"/>
+            <a:ext cx="437940" cy="369332"/>
+          </a:xfrm>
+          <a:prstGeom prst="rect">
+            <a:avLst/>
+          </a:prstGeom>
+          <a:noFill/>
+        </p:spPr>
+        <p:txBody>
+          <a:bodyPr wrap="none" rtlCol="0">
+            <a:spAutoFit/>
+          </a:bodyPr>
+          <a:lstStyle/>
+          <a:p>
+            <a:r>
+              <a:rPr lang="en-US" altLang="ko-KR" dirty="0" smtClean="0">
+                <a:solidFill>
+                  <a:srgbClr val="FFC000"/>
+                </a:solidFill>
+              </a:rPr>
+              <a:t>50</a:t>
+            </a:r>
+            <a:endParaRPr lang="ko-KR" altLang="en-US" dirty="0">
+              <a:solidFill>
+                <a:srgbClr val="FFC000"/>
+              </a:solidFill>
+            </a:endParaRPr>
+          </a:p>
+        </p:txBody>
+      </p:sp>
+      <p:cxnSp>
+        <p:nvCxnSpPr>
+          <p:cNvPr id="13" name="직선 화살표 연결선 12"/>
+          <p:cNvCxnSpPr/>
+          <p:nvPr/>
+        </p:nvCxnSpPr>
+        <p:spPr>
+          <a:xfrm>
+            <a:off x="1712687" y="1727200"/>
+            <a:ext cx="0" cy="1233714"/>
+          </a:xfrm>
+          <a:prstGeom prst="straightConnector1">
+            <a:avLst/>
+          </a:prstGeom>
+          <a:ln>
+            <a:solidFill>
+              <a:srgbClr val="FFFF00"/>
+            </a:solidFill>
+            <a:tailEnd type="triangle"/>
+          </a:ln>
+        </p:spPr>
+        <p:style>
+          <a:lnRef idx="1">
+            <a:schemeClr val="accent1"/>
+          </a:lnRef>
+          <a:fillRef idx="0">
+            <a:schemeClr val="accent1"/>
+          </a:fillRef>
+          <a:effectRef idx="0">
+            <a:schemeClr val="accent1"/>
+          </a:effectRef>
+          <a:fontRef idx="minor">
+            <a:schemeClr val="tx1"/>
+          </a:fontRef>
+        </p:style>
+      </p:cxnSp>
+      <p:sp>
+        <p:nvSpPr>
+          <p:cNvPr id="14" name="TextBox 13"/>
+          <p:cNvSpPr txBox="1"/>
+          <p:nvPr/>
+        </p:nvSpPr>
+        <p:spPr>
+          <a:xfrm>
+            <a:off x="1240972" y="2159391"/>
+            <a:ext cx="437940" cy="369332"/>
+          </a:xfrm>
+          <a:prstGeom prst="rect">
+            <a:avLst/>
+          </a:prstGeom>
+          <a:noFill/>
+        </p:spPr>
+        <p:txBody>
+          <a:bodyPr wrap="none" rtlCol="0">
+            <a:spAutoFit/>
+          </a:bodyPr>
+          <a:lstStyle/>
+          <a:p>
+            <a:r>
+              <a:rPr lang="en-US" altLang="ko-KR" dirty="0" smtClean="0"/>
+              <a:t>60</a:t>
+            </a:r>
+            <a:endParaRPr lang="ko-KR" altLang="en-US" dirty="0"/>
+          </a:p>
+        </p:txBody>
+      </p:sp>
+      <p:cxnSp>
+        <p:nvCxnSpPr>
+          <p:cNvPr id="16" name="직선 화살표 연결선 15"/>
+          <p:cNvCxnSpPr/>
+          <p:nvPr/>
+        </p:nvCxnSpPr>
+        <p:spPr>
+          <a:xfrm>
+            <a:off x="1712687" y="3904343"/>
+            <a:ext cx="4368799" cy="0"/>
+          </a:xfrm>
+          <a:prstGeom prst="straightConnector1">
+            <a:avLst/>
+          </a:prstGeom>
+          <a:ln>
+            <a:solidFill>
+              <a:srgbClr val="FFFF00"/>
+            </a:solidFill>
+            <a:headEnd type="triangle"/>
+            <a:tailEnd type="triangle"/>
+          </a:ln>
+        </p:spPr>
+        <p:style>
+          <a:lnRef idx="1">
+            <a:schemeClr val="accent1"/>
+          </a:lnRef>
+          <a:fillRef idx="0">
+            <a:schemeClr val="accent1"/>
+          </a:fillRef>
+          <a:effectRef idx="0">
+            <a:schemeClr val="accent1"/>
+          </a:effectRef>
+          <a:fontRef idx="minor">
+            <a:schemeClr val="tx1"/>
+          </a:fontRef>
+        </p:style>
+      </p:cxnSp>
+      <p:sp>
+        <p:nvSpPr>
+          <p:cNvPr id="17" name="TextBox 16"/>
+          <p:cNvSpPr txBox="1"/>
+          <p:nvPr/>
+        </p:nvSpPr>
+        <p:spPr>
+          <a:xfrm>
+            <a:off x="3614797" y="3564788"/>
+            <a:ext cx="564578" cy="369332"/>
+          </a:xfrm>
+          <a:prstGeom prst="rect">
+            <a:avLst/>
+          </a:prstGeom>
+          <a:noFill/>
+        </p:spPr>
+        <p:txBody>
+          <a:bodyPr wrap="none" rtlCol="0">
+            <a:spAutoFit/>
+          </a:bodyPr>
+          <a:lstStyle/>
+          <a:p>
+            <a:r>
+              <a:rPr lang="en-US" altLang="ko-KR" dirty="0" smtClean="0"/>
+              <a:t>200</a:t>
+            </a:r>
+            <a:endParaRPr lang="ko-KR" altLang="en-US" dirty="0"/>
+          </a:p>
+        </p:txBody>
+      </p:sp>
+      <p:cxnSp>
+        <p:nvCxnSpPr>
+          <p:cNvPr id="19" name="직선 화살표 연결선 18"/>
+          <p:cNvCxnSpPr/>
+          <p:nvPr/>
+        </p:nvCxnSpPr>
+        <p:spPr>
+          <a:xfrm>
+            <a:off x="5239657" y="3048000"/>
+            <a:ext cx="0" cy="1698172"/>
+          </a:xfrm>
+          <a:prstGeom prst="straightConnector1">
+            <a:avLst/>
+          </a:prstGeom>
+          <a:ln>
+            <a:solidFill>
+              <a:srgbClr val="FFFF00"/>
+            </a:solidFill>
+            <a:headEnd type="triangle"/>
+            <a:tailEnd type="triangle"/>
+          </a:ln>
+        </p:spPr>
+        <p:style>
+          <a:lnRef idx="1">
+            <a:schemeClr val="accent1"/>
+          </a:lnRef>
+          <a:fillRef idx="0">
+            <a:schemeClr val="accent1"/>
+          </a:fillRef>
+          <a:effectRef idx="0">
+            <a:schemeClr val="accent1"/>
+          </a:effectRef>
+          <a:fontRef idx="minor">
+            <a:schemeClr val="tx1"/>
+          </a:fontRef>
+        </p:style>
+      </p:cxnSp>
+      <p:sp>
+        <p:nvSpPr>
+          <p:cNvPr id="20" name="TextBox 19"/>
+          <p:cNvSpPr txBox="1"/>
+          <p:nvPr/>
+        </p:nvSpPr>
+        <p:spPr>
+          <a:xfrm>
+            <a:off x="5239657" y="3330479"/>
+            <a:ext cx="437940" cy="369332"/>
+          </a:xfrm>
+          <a:prstGeom prst="rect">
+            <a:avLst/>
+          </a:prstGeom>
+          <a:noFill/>
+        </p:spPr>
+        <p:txBody>
+          <a:bodyPr wrap="none" rtlCol="0">
+            <a:spAutoFit/>
+          </a:bodyPr>
+          <a:lstStyle/>
+          <a:p>
+            <a:r>
+              <a:rPr lang="en-US" altLang="ko-KR" dirty="0" smtClean="0"/>
+              <a:t>80</a:t>
+            </a:r>
+            <a:endParaRPr lang="ko-KR" altLang="en-US" dirty="0"/>
+          </a:p>
+        </p:txBody>
+      </p:sp>
+      <p:sp>
+        <p:nvSpPr>
+          <p:cNvPr id="21" name="타원 20"/>
+          <p:cNvSpPr/>
+          <p:nvPr/>
+        </p:nvSpPr>
+        <p:spPr>
+          <a:xfrm>
+            <a:off x="5994400" y="4659086"/>
+            <a:ext cx="174171" cy="174171"/>
+          </a:xfrm>
+          <a:prstGeom prst="ellipse">
+            <a:avLst/>
+          </a:prstGeom>
+          <a:solidFill>
+            <a:schemeClr val="accent2"/>
+          </a:solidFill>
+          <a:ln>
+            <a:solidFill>
+              <a:srgbClr val="FFFF00"/>
+            </a:solidFill>
+          </a:ln>
+        </p:spPr>
+        <p:style>
+          <a:lnRef idx="2">
+            <a:schemeClr val="accent1">
+              <a:shade val="50000"/>
+            </a:schemeClr>
+          </a:lnRef>
+          <a:fillRef idx="1">
+            <a:schemeClr val="accent1"/>
+          </a:fillRef>
+          <a:effectRef idx="0">
+            <a:schemeClr val="accent1"/>
+          </a:effectRef>
+          <a:fontRef idx="minor">
+            <a:schemeClr val="lt1"/>
+          </a:fontRef>
+        </p:style>
+        <p:txBody>
+          <a:bodyPr rtlCol="0" anchor="ctr"/>
+          <a:lstStyle/>
+          <a:p>
+            <a:pPr algn="ctr"/>
+            <a:endParaRPr lang="ko-KR" altLang="en-US"/>
+          </a:p>
+        </p:txBody>
+      </p:sp>
+      <p:sp>
+        <p:nvSpPr>
+          <p:cNvPr id="22" name="TextBox 21"/>
+          <p:cNvSpPr txBox="1"/>
+          <p:nvPr/>
+        </p:nvSpPr>
+        <p:spPr>
+          <a:xfrm>
+            <a:off x="5677597" y="4896116"/>
+            <a:ext cx="995785" cy="369332"/>
+          </a:xfrm>
+          <a:prstGeom prst="rect">
+            <a:avLst/>
+          </a:prstGeom>
+          <a:noFill/>
+        </p:spPr>
+        <p:txBody>
+          <a:bodyPr wrap="none" rtlCol="0">
+            <a:spAutoFit/>
+          </a:bodyPr>
+          <a:lstStyle/>
+          <a:p>
+            <a:r>
+              <a:rPr lang="en-US" altLang="ko-KR" dirty="0" smtClean="0"/>
+              <a:t>250,140</a:t>
+            </a:r>
+            <a:endParaRPr lang="ko-KR" altLang="en-US" dirty="0"/>
+          </a:p>
+        </p:txBody>
+      </p:sp>
+      <p:cxnSp>
+        <p:nvCxnSpPr>
+          <p:cNvPr id="24" name="직선 연결선 23"/>
+          <p:cNvCxnSpPr/>
+          <p:nvPr/>
+        </p:nvCxnSpPr>
+        <p:spPr>
+          <a:xfrm>
+            <a:off x="1712687" y="4238171"/>
+            <a:ext cx="4368798" cy="0"/>
           </a:xfrm>
           <a:prstGeom prst="line">
             <a:avLst/>
           </a:prstGeom>
-          <a:ln w="38100"/>
+          <a:ln>
+            <a:prstDash val="lgDash"/>
+          </a:ln>
         </p:spPr>
         <p:style>
           <a:lnRef idx="1">
@@ -12722,31 +13185,20 @@
       </p:cxnSp>
       <p:cxnSp>
         <p:nvCxnSpPr>
-          <p:cNvPr id="5" name="직선 연결선 4">
-            <a:extLst>
-              <a:ext uri="{FF2B5EF4-FFF2-40B4-BE49-F238E27FC236}">
-                <a16:creationId xmlns:a16="http://schemas.microsoft.com/office/drawing/2014/main" id="{BED49535-3BDC-49AA-B42B-3F7F65684B22}"/>
-              </a:ext>
-            </a:extLst>
-          </p:cNvPr>
+          <p:cNvPr id="26" name="직선 연결선 25"/>
           <p:cNvCxnSpPr/>
           <p:nvPr/>
         </p:nvCxnSpPr>
         <p:spPr>
           <a:xfrm>
-            <a:off x="626301" y="365125"/>
-            <a:ext cx="0" cy="6336300"/>
+            <a:off x="3947888" y="3048000"/>
+            <a:ext cx="0" cy="1698171"/>
           </a:xfrm>
           <a:prstGeom prst="line">
             <a:avLst/>
           </a:prstGeom>
-          <a:ln w="57150">
-            <a:solidFill>
-              <a:schemeClr val="accent4">
-                <a:lumMod val="60000"/>
-                <a:lumOff val="40000"/>
-              </a:schemeClr>
-            </a:solidFill>
+          <a:ln>
+            <a:prstDash val="lgDash"/>
           </a:ln>
         </p:spPr>
         <p:style>
@@ -12764,10 +13216,182 @@
           </a:fontRef>
         </p:style>
       </p:cxnSp>
+      <p:cxnSp>
+        <p:nvCxnSpPr>
+          <p:cNvPr id="28" name="직선 화살표 연결선 27"/>
+          <p:cNvCxnSpPr/>
+          <p:nvPr/>
+        </p:nvCxnSpPr>
+        <p:spPr>
+          <a:xfrm>
+            <a:off x="1712687" y="4441371"/>
+            <a:ext cx="2235201" cy="0"/>
+          </a:xfrm>
+          <a:prstGeom prst="straightConnector1">
+            <a:avLst/>
+          </a:prstGeom>
+          <a:ln>
+            <a:solidFill>
+              <a:srgbClr val="FFFF00"/>
+            </a:solidFill>
+            <a:headEnd type="triangle"/>
+            <a:tailEnd type="triangle"/>
+          </a:ln>
+        </p:spPr>
+        <p:style>
+          <a:lnRef idx="1">
+            <a:schemeClr val="accent1"/>
+          </a:lnRef>
+          <a:fillRef idx="0">
+            <a:schemeClr val="accent1"/>
+          </a:fillRef>
+          <a:effectRef idx="0">
+            <a:schemeClr val="accent1"/>
+          </a:effectRef>
+          <a:fontRef idx="minor">
+            <a:schemeClr val="tx1"/>
+          </a:fontRef>
+        </p:style>
+      </p:cxnSp>
+      <p:sp>
+        <p:nvSpPr>
+          <p:cNvPr id="29" name="TextBox 28"/>
+          <p:cNvSpPr txBox="1"/>
+          <p:nvPr/>
+        </p:nvSpPr>
+        <p:spPr>
+          <a:xfrm>
+            <a:off x="2548743" y="4478441"/>
+            <a:ext cx="564578" cy="369332"/>
+          </a:xfrm>
+          <a:prstGeom prst="rect">
+            <a:avLst/>
+          </a:prstGeom>
+          <a:noFill/>
+        </p:spPr>
+        <p:txBody>
+          <a:bodyPr wrap="none" rtlCol="0">
+            <a:spAutoFit/>
+          </a:bodyPr>
+          <a:lstStyle/>
+          <a:p>
+            <a:r>
+              <a:rPr lang="en-US" altLang="ko-KR" dirty="0" smtClean="0">
+                <a:solidFill>
+                  <a:srgbClr val="FFC000"/>
+                </a:solidFill>
+              </a:rPr>
+              <a:t>100</a:t>
+            </a:r>
+            <a:endParaRPr lang="ko-KR" altLang="en-US" dirty="0">
+              <a:solidFill>
+                <a:srgbClr val="FFC000"/>
+              </a:solidFill>
+            </a:endParaRPr>
+          </a:p>
+        </p:txBody>
+      </p:sp>
+      <p:cxnSp>
+        <p:nvCxnSpPr>
+          <p:cNvPr id="30" name="직선 화살표 연결선 29"/>
+          <p:cNvCxnSpPr/>
+          <p:nvPr/>
+        </p:nvCxnSpPr>
+        <p:spPr>
+          <a:xfrm>
+            <a:off x="3912857" y="4448628"/>
+            <a:ext cx="2168628" cy="0"/>
+          </a:xfrm>
+          <a:prstGeom prst="straightConnector1">
+            <a:avLst/>
+          </a:prstGeom>
+          <a:ln>
+            <a:solidFill>
+              <a:srgbClr val="FFFF00"/>
+            </a:solidFill>
+            <a:headEnd type="triangle"/>
+            <a:tailEnd type="triangle"/>
+          </a:ln>
+        </p:spPr>
+        <p:style>
+          <a:lnRef idx="1">
+            <a:schemeClr val="accent1"/>
+          </a:lnRef>
+          <a:fillRef idx="0">
+            <a:schemeClr val="accent1"/>
+          </a:fillRef>
+          <a:effectRef idx="0">
+            <a:schemeClr val="accent1"/>
+          </a:effectRef>
+          <a:fontRef idx="minor">
+            <a:schemeClr val="tx1"/>
+          </a:fontRef>
+        </p:style>
+      </p:cxnSp>
+      <p:sp>
+        <p:nvSpPr>
+          <p:cNvPr id="32" name="TextBox 31"/>
+          <p:cNvSpPr txBox="1"/>
+          <p:nvPr/>
+        </p:nvSpPr>
+        <p:spPr>
+          <a:xfrm>
+            <a:off x="4675079" y="4486088"/>
+            <a:ext cx="564578" cy="369332"/>
+          </a:xfrm>
+          <a:prstGeom prst="rect">
+            <a:avLst/>
+          </a:prstGeom>
+          <a:noFill/>
+        </p:spPr>
+        <p:txBody>
+          <a:bodyPr wrap="none" rtlCol="0">
+            <a:spAutoFit/>
+          </a:bodyPr>
+          <a:lstStyle/>
+          <a:p>
+            <a:r>
+              <a:rPr lang="en-US" altLang="ko-KR" dirty="0" smtClean="0"/>
+              <a:t>100</a:t>
+            </a:r>
+            <a:endParaRPr lang="ko-KR" altLang="en-US" dirty="0"/>
+          </a:p>
+        </p:txBody>
+      </p:sp>
+      <p:sp>
+        <p:nvSpPr>
+          <p:cNvPr id="33" name="TextBox 32"/>
+          <p:cNvSpPr txBox="1"/>
+          <p:nvPr/>
+        </p:nvSpPr>
+        <p:spPr>
+          <a:xfrm>
+            <a:off x="2336800" y="5442857"/>
+            <a:ext cx="2229778" cy="369332"/>
+          </a:xfrm>
+          <a:prstGeom prst="rect">
+            <a:avLst/>
+          </a:prstGeom>
+          <a:noFill/>
+        </p:spPr>
+        <p:txBody>
+          <a:bodyPr wrap="none" rtlCol="0">
+            <a:spAutoFit/>
+          </a:bodyPr>
+          <a:lstStyle/>
+          <a:p>
+            <a:r>
+              <a:rPr lang="en-US" altLang="ko-KR" dirty="0" smtClean="0"/>
+              <a:t>Center = (150, 100)</a:t>
+            </a:r>
+            <a:endParaRPr lang="ko-KR" altLang="en-US" dirty="0"/>
+          </a:p>
+        </p:txBody>
+      </p:sp>
     </p:spTree>
     <p:extLst>
       <p:ext uri="{BB962C8B-B14F-4D97-AF65-F5344CB8AC3E}">
-        <p14:creationId xmlns:p14="http://schemas.microsoft.com/office/powerpoint/2010/main" val="3990320447"/>
+        <p14:creationId xmlns:p14="http://schemas.microsoft.com/office/powerpoint/2010/main" val="2851567963"/>
       </p:ext>
     </p:extLst>
   </p:cSld>
@@ -13154,35 +13778,74 @@
           <a:bodyPr/>
           <a:lstStyle/>
           <a:p>
-            <a:endParaRPr lang="ko-KR" altLang="en-US"/>
-          </a:p>
-        </p:txBody>
-      </p:sp>
-      <p:sp>
-        <p:nvSpPr>
-          <p:cNvPr id="3" name="내용 개체 틀 2">
-            <a:extLst>
-              <a:ext uri="{FF2B5EF4-FFF2-40B4-BE49-F238E27FC236}">
-                <a16:creationId xmlns:a16="http://schemas.microsoft.com/office/drawing/2014/main" id="{768CB50F-8DCC-48D6-B9AF-F1F3FC6D984D}"/>
-              </a:ext>
-            </a:extLst>
-          </p:cNvPr>
-          <p:cNvSpPr>
-            <a:spLocks noGrp="1"/>
-          </p:cNvSpPr>
+            <a:r>
+              <a:rPr lang="en-US" altLang="ko-KR" dirty="0"/>
+              <a:t>3. Rect </a:t>
+            </a:r>
+            <a:r>
+              <a:rPr lang="ko-KR" altLang="en-US" dirty="0"/>
+              <a:t>객체 </a:t>
+            </a:r>
+            <a:r>
+              <a:rPr lang="en-US" altLang="ko-KR" dirty="0"/>
+              <a:t>– </a:t>
+            </a:r>
+            <a:r>
+              <a:rPr lang="ko-KR" altLang="en-US" dirty="0"/>
+              <a:t>가상 </a:t>
+            </a:r>
+            <a:r>
+              <a:rPr lang="ko-KR" altLang="en-US" dirty="0" smtClean="0"/>
+              <a:t>속성</a:t>
+            </a:r>
+            <a:r>
+              <a:rPr lang="en-US" altLang="ko-KR" dirty="0" smtClean="0"/>
+              <a:t>(2)</a:t>
+            </a:r>
+            <a:endParaRPr lang="ko-KR" altLang="en-US" dirty="0"/>
+          </a:p>
+        </p:txBody>
+      </p:sp>
+      <p:pic>
+        <p:nvPicPr>
+          <p:cNvPr id="6" name="내용 개체 틀 5"/>
+          <p:cNvPicPr>
+            <a:picLocks noGrp="1" noChangeAspect="1"/>
+          </p:cNvPicPr>
           <p:nvPr>
             <p:ph idx="1"/>
           </p:nvPr>
-        </p:nvSpPr>
-        <p:spPr/>
-        <p:txBody>
-          <a:bodyPr/>
-          <a:lstStyle/>
-          <a:p>
-            <a:endParaRPr lang="ko-KR" altLang="en-US" dirty="0"/>
-          </a:p>
-        </p:txBody>
-      </p:sp>
+        </p:nvPicPr>
+        <p:blipFill>
+          <a:blip r:embed="rId2"/>
+          <a:stretch>
+            <a:fillRect/>
+          </a:stretch>
+        </p:blipFill>
+        <p:spPr>
+          <a:xfrm>
+            <a:off x="1050098" y="1687125"/>
+            <a:ext cx="10515600" cy="4855351"/>
+          </a:xfrm>
+          <a:prstGeom prst="rect">
+            <a:avLst/>
+          </a:prstGeom>
+          <a:ln w="38100" cap="sq">
+            <a:solidFill>
+              <a:srgbClr val="000000"/>
+            </a:solidFill>
+            <a:prstDash val="solid"/>
+            <a:miter lim="800000"/>
+          </a:ln>
+          <a:effectLst>
+            <a:outerShdw blurRad="50800" dist="38100" dir="2700000" algn="tl" rotWithShape="0">
+              <a:srgbClr val="000000">
+                <a:alpha val="43000"/>
+              </a:srgbClr>
+            </a:outerShdw>
+          </a:effectLst>
+        </p:spPr>
+      </p:pic>
       <p:cxnSp>
         <p:nvCxnSpPr>
           <p:cNvPr id="4" name="직선 연결선 3">
@@ -13269,7 +13932,7 @@
     </p:spTree>
     <p:extLst>
       <p:ext uri="{BB962C8B-B14F-4D97-AF65-F5344CB8AC3E}">
-        <p14:creationId xmlns:p14="http://schemas.microsoft.com/office/powerpoint/2010/main" val="2851567963"/>
+        <p14:creationId xmlns:p14="http://schemas.microsoft.com/office/powerpoint/2010/main" val="1503293367"/>
       </p:ext>
     </p:extLst>
   </p:cSld>
@@ -13317,35 +13980,70 @@
           <a:bodyPr/>
           <a:lstStyle/>
           <a:p>
-            <a:endParaRPr lang="ko-KR" altLang="en-US"/>
-          </a:p>
-        </p:txBody>
-      </p:sp>
-      <p:sp>
-        <p:nvSpPr>
-          <p:cNvPr id="3" name="내용 개체 틀 2">
-            <a:extLst>
-              <a:ext uri="{FF2B5EF4-FFF2-40B4-BE49-F238E27FC236}">
-                <a16:creationId xmlns:a16="http://schemas.microsoft.com/office/drawing/2014/main" id="{768CB50F-8DCC-48D6-B9AF-F1F3FC6D984D}"/>
-              </a:ext>
-            </a:extLst>
-          </p:cNvPr>
-          <p:cNvSpPr>
-            <a:spLocks noGrp="1"/>
-          </p:cNvSpPr>
+            <a:r>
+              <a:rPr lang="en-US" altLang="ko-KR" dirty="0"/>
+              <a:t>3. Rect </a:t>
+            </a:r>
+            <a:r>
+              <a:rPr lang="ko-KR" altLang="en-US" dirty="0"/>
+              <a:t>객체 </a:t>
+            </a:r>
+            <a:r>
+              <a:rPr lang="en-US" altLang="ko-KR" dirty="0"/>
+              <a:t>– </a:t>
+            </a:r>
+            <a:r>
+              <a:rPr lang="ko-KR" altLang="en-US" dirty="0"/>
+              <a:t>가상 속성</a:t>
+            </a:r>
+            <a:r>
+              <a:rPr lang="en-US" altLang="ko-KR" dirty="0"/>
+              <a:t>(2)</a:t>
+            </a:r>
+            <a:endParaRPr lang="ko-KR" altLang="en-US" dirty="0"/>
+          </a:p>
+        </p:txBody>
+      </p:sp>
+      <p:pic>
+        <p:nvPicPr>
+          <p:cNvPr id="6" name="내용 개체 틀 5"/>
+          <p:cNvPicPr>
+            <a:picLocks noGrp="1" noChangeAspect="1"/>
+          </p:cNvPicPr>
           <p:nvPr>
             <p:ph idx="1"/>
           </p:nvPr>
-        </p:nvSpPr>
-        <p:spPr/>
-        <p:txBody>
-          <a:bodyPr/>
-          <a:lstStyle/>
-          <a:p>
-            <a:endParaRPr lang="ko-KR" altLang="en-US" dirty="0"/>
-          </a:p>
-        </p:txBody>
-      </p:sp>
+        </p:nvPicPr>
+        <p:blipFill>
+          <a:blip r:embed="rId2"/>
+          <a:stretch>
+            <a:fillRect/>
+          </a:stretch>
+        </p:blipFill>
+        <p:spPr>
+          <a:xfrm>
+            <a:off x="1853058" y="1736445"/>
+            <a:ext cx="7827971" cy="4756710"/>
+          </a:xfrm>
+          <a:prstGeom prst="rect">
+            <a:avLst/>
+          </a:prstGeom>
+          <a:ln w="38100" cap="sq">
+            <a:solidFill>
+              <a:srgbClr val="000000"/>
+            </a:solidFill>
+            <a:prstDash val="solid"/>
+            <a:miter lim="800000"/>
+          </a:ln>
+          <a:effectLst>
+            <a:outerShdw blurRad="50800" dist="38100" dir="2700000" algn="tl" rotWithShape="0">
+              <a:srgbClr val="000000">
+                <a:alpha val="43000"/>
+              </a:srgbClr>
+            </a:outerShdw>
+          </a:effectLst>
+        </p:spPr>
+      </p:pic>
       <p:cxnSp>
         <p:nvCxnSpPr>
           <p:cNvPr id="4" name="직선 연결선 3">
@@ -13432,7 +14130,7 @@
     </p:spTree>
     <p:extLst>
       <p:ext uri="{BB962C8B-B14F-4D97-AF65-F5344CB8AC3E}">
-        <p14:creationId xmlns:p14="http://schemas.microsoft.com/office/powerpoint/2010/main" val="1503293367"/>
+        <p14:creationId xmlns:p14="http://schemas.microsoft.com/office/powerpoint/2010/main" val="1309398790"/>
       </p:ext>
     </p:extLst>
   </p:cSld>
@@ -13480,35 +14178,70 @@
           <a:bodyPr/>
           <a:lstStyle/>
           <a:p>
-            <a:endParaRPr lang="ko-KR" altLang="en-US"/>
-          </a:p>
-        </p:txBody>
-      </p:sp>
-      <p:sp>
-        <p:nvSpPr>
-          <p:cNvPr id="3" name="내용 개체 틀 2">
-            <a:extLst>
-              <a:ext uri="{FF2B5EF4-FFF2-40B4-BE49-F238E27FC236}">
-                <a16:creationId xmlns:a16="http://schemas.microsoft.com/office/drawing/2014/main" id="{768CB50F-8DCC-48D6-B9AF-F1F3FC6D984D}"/>
-              </a:ext>
-            </a:extLst>
-          </p:cNvPr>
-          <p:cNvSpPr>
-            <a:spLocks noGrp="1"/>
-          </p:cNvSpPr>
+            <a:r>
+              <a:rPr lang="en-US" altLang="ko-KR" dirty="0"/>
+              <a:t>3. Rect </a:t>
+            </a:r>
+            <a:r>
+              <a:rPr lang="ko-KR" altLang="en-US" dirty="0"/>
+              <a:t>객체 </a:t>
+            </a:r>
+            <a:r>
+              <a:rPr lang="en-US" altLang="ko-KR" dirty="0"/>
+              <a:t>– </a:t>
+            </a:r>
+            <a:r>
+              <a:rPr lang="ko-KR" altLang="en-US" dirty="0"/>
+              <a:t>가상 속성</a:t>
+            </a:r>
+            <a:r>
+              <a:rPr lang="en-US" altLang="ko-KR" dirty="0" smtClean="0"/>
+              <a:t>(3)</a:t>
+            </a:r>
+            <a:endParaRPr lang="ko-KR" altLang="en-US" dirty="0"/>
+          </a:p>
+        </p:txBody>
+      </p:sp>
+      <p:pic>
+        <p:nvPicPr>
+          <p:cNvPr id="6" name="내용 개체 틀 5"/>
+          <p:cNvPicPr>
+            <a:picLocks noGrp="1" noChangeAspect="1"/>
+          </p:cNvPicPr>
           <p:nvPr>
             <p:ph idx="1"/>
           </p:nvPr>
-        </p:nvSpPr>
-        <p:spPr/>
-        <p:txBody>
-          <a:bodyPr/>
-          <a:lstStyle/>
-          <a:p>
-            <a:endParaRPr lang="ko-KR" altLang="en-US" dirty="0"/>
-          </a:p>
-        </p:txBody>
-      </p:sp>
+        </p:nvPicPr>
+        <p:blipFill>
+          <a:blip r:embed="rId2"/>
+          <a:stretch>
+            <a:fillRect/>
+          </a:stretch>
+        </p:blipFill>
+        <p:spPr>
+          <a:xfrm>
+            <a:off x="838200" y="1845402"/>
+            <a:ext cx="7429848" cy="2668541"/>
+          </a:xfrm>
+          <a:prstGeom prst="rect">
+            <a:avLst/>
+          </a:prstGeom>
+          <a:ln w="38100" cap="sq">
+            <a:solidFill>
+              <a:srgbClr val="000000"/>
+            </a:solidFill>
+            <a:prstDash val="solid"/>
+            <a:miter lim="800000"/>
+          </a:ln>
+          <a:effectLst>
+            <a:outerShdw blurRad="50800" dist="38100" dir="2700000" algn="tl" rotWithShape="0">
+              <a:srgbClr val="000000">
+                <a:alpha val="43000"/>
+              </a:srgbClr>
+            </a:outerShdw>
+          </a:effectLst>
+        </p:spPr>
+      </p:pic>
       <p:cxnSp>
         <p:nvCxnSpPr>
           <p:cNvPr id="4" name="직선 연결선 3">
@@ -13592,10 +14325,34 @@
           </a:fontRef>
         </p:style>
       </p:cxnSp>
+      <p:pic>
+        <p:nvPicPr>
+          <p:cNvPr id="7" name="그림 6"/>
+          <p:cNvPicPr>
+            <a:picLocks noChangeAspect="1"/>
+          </p:cNvPicPr>
+          <p:nvPr/>
+        </p:nvPicPr>
+        <p:blipFill>
+          <a:blip r:embed="rId3"/>
+          <a:stretch>
+            <a:fillRect/>
+          </a:stretch>
+        </p:blipFill>
+        <p:spPr>
+          <a:xfrm>
+            <a:off x="7193189" y="4653550"/>
+            <a:ext cx="4743450" cy="2047875"/>
+          </a:xfrm>
+          <a:prstGeom prst="rect">
+            <a:avLst/>
+          </a:prstGeom>
+        </p:spPr>
+      </p:pic>
     </p:spTree>
     <p:extLst>
       <p:ext uri="{BB962C8B-B14F-4D97-AF65-F5344CB8AC3E}">
-        <p14:creationId xmlns:p14="http://schemas.microsoft.com/office/powerpoint/2010/main" val="1309398790"/>
+        <p14:creationId xmlns:p14="http://schemas.microsoft.com/office/powerpoint/2010/main" val="2000121000"/>
       </p:ext>
     </p:extLst>
   </p:cSld>
@@ -13758,7 +14515,7 @@
     </p:spTree>
     <p:extLst>
       <p:ext uri="{BB962C8B-B14F-4D97-AF65-F5344CB8AC3E}">
-        <p14:creationId xmlns:p14="http://schemas.microsoft.com/office/powerpoint/2010/main" val="2000121000"/>
+        <p14:creationId xmlns:p14="http://schemas.microsoft.com/office/powerpoint/2010/main" val="805543363"/>
       </p:ext>
     </p:extLst>
   </p:cSld>
@@ -13921,7 +14678,7 @@
     </p:spTree>
     <p:extLst>
       <p:ext uri="{BB962C8B-B14F-4D97-AF65-F5344CB8AC3E}">
-        <p14:creationId xmlns:p14="http://schemas.microsoft.com/office/powerpoint/2010/main" val="805543363"/>
+        <p14:creationId xmlns:p14="http://schemas.microsoft.com/office/powerpoint/2010/main" val="1072932738"/>
       </p:ext>
     </p:extLst>
   </p:cSld>
@@ -14084,13 +14841,20 @@
     </p:spTree>
     <p:extLst>
       <p:ext uri="{BB962C8B-B14F-4D97-AF65-F5344CB8AC3E}">
-        <p14:creationId xmlns:p14="http://schemas.microsoft.com/office/powerpoint/2010/main" val="1072932738"/>
+        <p14:creationId xmlns:p14="http://schemas.microsoft.com/office/powerpoint/2010/main" val="3237727503"/>
       </p:ext>
     </p:extLst>
   </p:cSld>
   <p:clrMapOvr>
     <a:masterClrMapping/>
   </p:clrMapOvr>
+  <p:timing>
+    <p:tnLst>
+      <p:par>
+        <p:cTn id="1" dur="indefinite" restart="never" nodeType="tmRoot"/>
+      </p:par>
+    </p:tnLst>
+  </p:timing>
 </p:sld>
 </file>
 
@@ -14113,169 +14877,6 @@
       </p:grpSpPr>
       <p:sp>
         <p:nvSpPr>
-          <p:cNvPr id="2" name="제목 1">
-            <a:extLst>
-              <a:ext uri="{FF2B5EF4-FFF2-40B4-BE49-F238E27FC236}">
-                <a16:creationId xmlns:a16="http://schemas.microsoft.com/office/drawing/2014/main" id="{2D872C09-176D-4E04-A038-9AE148A6E960}"/>
-              </a:ext>
-            </a:extLst>
-          </p:cNvPr>
-          <p:cNvSpPr>
-            <a:spLocks noGrp="1"/>
-          </p:cNvSpPr>
-          <p:nvPr>
-            <p:ph type="title"/>
-          </p:nvPr>
-        </p:nvSpPr>
-        <p:spPr/>
-        <p:txBody>
-          <a:bodyPr/>
-          <a:lstStyle/>
-          <a:p>
-            <a:endParaRPr lang="ko-KR" altLang="en-US"/>
-          </a:p>
-        </p:txBody>
-      </p:sp>
-      <p:sp>
-        <p:nvSpPr>
-          <p:cNvPr id="3" name="내용 개체 틀 2">
-            <a:extLst>
-              <a:ext uri="{FF2B5EF4-FFF2-40B4-BE49-F238E27FC236}">
-                <a16:creationId xmlns:a16="http://schemas.microsoft.com/office/drawing/2014/main" id="{768CB50F-8DCC-48D6-B9AF-F1F3FC6D984D}"/>
-              </a:ext>
-            </a:extLst>
-          </p:cNvPr>
-          <p:cNvSpPr>
-            <a:spLocks noGrp="1"/>
-          </p:cNvSpPr>
-          <p:nvPr>
-            <p:ph idx="1"/>
-          </p:nvPr>
-        </p:nvSpPr>
-        <p:spPr/>
-        <p:txBody>
-          <a:bodyPr/>
-          <a:lstStyle/>
-          <a:p>
-            <a:endParaRPr lang="ko-KR" altLang="en-US" dirty="0"/>
-          </a:p>
-        </p:txBody>
-      </p:sp>
-      <p:cxnSp>
-        <p:nvCxnSpPr>
-          <p:cNvPr id="4" name="직선 연결선 3">
-            <a:extLst>
-              <a:ext uri="{FF2B5EF4-FFF2-40B4-BE49-F238E27FC236}">
-                <a16:creationId xmlns:a16="http://schemas.microsoft.com/office/drawing/2014/main" id="{CC5C6F10-69FE-4C86-8775-B4181A3168D4}"/>
-              </a:ext>
-            </a:extLst>
-          </p:cNvPr>
-          <p:cNvCxnSpPr>
-            <a:cxnSpLocks/>
-          </p:cNvCxnSpPr>
-          <p:nvPr/>
-        </p:nvCxnSpPr>
-        <p:spPr>
-          <a:xfrm>
-            <a:off x="125260" y="1528175"/>
-            <a:ext cx="11924778" cy="0"/>
-          </a:xfrm>
-          <a:prstGeom prst="line">
-            <a:avLst/>
-          </a:prstGeom>
-          <a:ln w="38100"/>
-        </p:spPr>
-        <p:style>
-          <a:lnRef idx="1">
-            <a:schemeClr val="accent1"/>
-          </a:lnRef>
-          <a:fillRef idx="0">
-            <a:schemeClr val="accent1"/>
-          </a:fillRef>
-          <a:effectRef idx="0">
-            <a:schemeClr val="accent1"/>
-          </a:effectRef>
-          <a:fontRef idx="minor">
-            <a:schemeClr val="tx1"/>
-          </a:fontRef>
-        </p:style>
-      </p:cxnSp>
-      <p:cxnSp>
-        <p:nvCxnSpPr>
-          <p:cNvPr id="5" name="직선 연결선 4">
-            <a:extLst>
-              <a:ext uri="{FF2B5EF4-FFF2-40B4-BE49-F238E27FC236}">
-                <a16:creationId xmlns:a16="http://schemas.microsoft.com/office/drawing/2014/main" id="{BED49535-3BDC-49AA-B42B-3F7F65684B22}"/>
-              </a:ext>
-            </a:extLst>
-          </p:cNvPr>
-          <p:cNvCxnSpPr/>
-          <p:nvPr/>
-        </p:nvCxnSpPr>
-        <p:spPr>
-          <a:xfrm>
-            <a:off x="626301" y="365125"/>
-            <a:ext cx="0" cy="6336300"/>
-          </a:xfrm>
-          <a:prstGeom prst="line">
-            <a:avLst/>
-          </a:prstGeom>
-          <a:ln w="57150">
-            <a:solidFill>
-              <a:schemeClr val="accent4">
-                <a:lumMod val="60000"/>
-                <a:lumOff val="40000"/>
-              </a:schemeClr>
-            </a:solidFill>
-          </a:ln>
-        </p:spPr>
-        <p:style>
-          <a:lnRef idx="1">
-            <a:schemeClr val="accent1"/>
-          </a:lnRef>
-          <a:fillRef idx="0">
-            <a:schemeClr val="accent1"/>
-          </a:fillRef>
-          <a:effectRef idx="0">
-            <a:schemeClr val="accent1"/>
-          </a:effectRef>
-          <a:fontRef idx="minor">
-            <a:schemeClr val="tx1"/>
-          </a:fontRef>
-        </p:style>
-      </p:cxnSp>
-    </p:spTree>
-    <p:extLst>
-      <p:ext uri="{BB962C8B-B14F-4D97-AF65-F5344CB8AC3E}">
-        <p14:creationId xmlns:p14="http://schemas.microsoft.com/office/powerpoint/2010/main" val="3237727503"/>
-      </p:ext>
-    </p:extLst>
-  </p:cSld>
-  <p:clrMapOvr>
-    <a:masterClrMapping/>
-  </p:clrMapOvr>
-</p:sld>
-</file>
-
-<file path=ppt/slides/slide47.xml><?xml version="1.0" encoding="utf-8"?>
-<p:sld xmlns:a="http://schemas.openxmlformats.org/drawingml/2006/main" xmlns:r="http://schemas.openxmlformats.org/officeDocument/2006/relationships" xmlns:p="http://schemas.openxmlformats.org/presentationml/2006/main">
-  <p:cSld>
-    <p:spTree>
-      <p:nvGrpSpPr>
-        <p:cNvPr id="1" name=""/>
-        <p:cNvGrpSpPr/>
-        <p:nvPr/>
-      </p:nvGrpSpPr>
-      <p:grpSpPr>
-        <a:xfrm>
-          <a:off x="0" y="0"/>
-          <a:ext cx="0" cy="0"/>
-          <a:chOff x="0" y="0"/>
-          <a:chExt cx="0" cy="0"/>
-        </a:xfrm>
-      </p:grpSpPr>
-      <p:sp>
-        <p:nvSpPr>
           <p:cNvPr id="2" name="제목 1"/>
           <p:cNvSpPr>
             <a:spLocks noGrp="1"/>
@@ -14414,6 +15015,13 @@
   <p:clrMapOvr>
     <a:masterClrMapping/>
   </p:clrMapOvr>
+  <p:timing>
+    <p:tnLst>
+      <p:par>
+        <p:cTn id="1" dur="indefinite" restart="never" nodeType="tmRoot"/>
+      </p:par>
+    </p:tnLst>
+  </p:timing>
 </p:sld>
 </file>
 
